--- a/Bai 18 Chia cum van ban_p1.pptx
+++ b/Bai 18 Chia cum van ban_p1.pptx
@@ -182,7 +182,7 @@
   </p:defaultTextStyle>
   <p:extLst>
     <p:ext uri="{EFAFB233-063F-42B5-8137-9DF3F51BA10A}">
-      <p15:sldGuideLst xmlns="" xmlns:p15="http://schemas.microsoft.com/office/powerpoint/2012/main">
+      <p15:sldGuideLst xmlns:p15="http://schemas.microsoft.com/office/powerpoint/2012/main" xmlns="">
         <p15:guide id="1" orient="horz" pos="2160">
           <p15:clr>
             <a:srgbClr val="A4A3A4"/>
@@ -16318,7 +16318,11 @@
             <a:pPr eaLnBrk="1" hangingPunct="1"/>
             <a:r>
               <a:rPr lang="en-US" sz="3600" smtClean="0"/>
-              <a:t>Bài tập</a:t>
+              <a:t>Bài </a:t>
+            </a:r>
+            <a:r>
+              <a:rPr lang="en-US" sz="3600" smtClean="0"/>
+              <a:t>tập 18.1</a:t>
             </a:r>
             <a:endParaRPr lang="vi-VN" sz="3600" dirty="0" smtClean="0"/>
           </a:p>
@@ -18157,7 +18161,7 @@
   </a:extraClrSchemeLst>
   <a:extLst>
     <a:ext uri="{05A4C25C-085E-4340-85A3-A5531E510DB2}">
-      <thm15:themeFamily xmlns="" xmlns:thm15="http://schemas.microsoft.com/office/thememl/2012/main" name="Office Theme" id="{62F939B6-93AF-4DB8-9C6B-D6C7DFDC589F}" vid="{4A3C46E8-61CC-4603-A589-7422A47A8E4A}"/>
+      <thm15:themeFamily xmlns:thm15="http://schemas.microsoft.com/office/thememl/2012/main" xmlns="" name="Office Theme" id="{62F939B6-93AF-4DB8-9C6B-D6C7DFDC589F}" vid="{4A3C46E8-61CC-4603-A589-7422A47A8E4A}"/>
     </a:ext>
   </a:extLst>
 </a:theme>
@@ -18418,7 +18422,7 @@
   <a:extraClrSchemeLst/>
   <a:extLst>
     <a:ext uri="{05A4C25C-085E-4340-85A3-A5531E510DB2}">
-      <thm15:themeFamily xmlns="" xmlns:thm15="http://schemas.microsoft.com/office/thememl/2012/main" name="Office Theme" id="{62F939B6-93AF-4DB8-9C6B-D6C7DFDC589F}" vid="{4A3C46E8-61CC-4603-A589-7422A47A8E4A}"/>
+      <thm15:themeFamily xmlns:thm15="http://schemas.microsoft.com/office/thememl/2012/main" xmlns="" name="Office Theme" id="{62F939B6-93AF-4DB8-9C6B-D6C7DFDC589F}" vid="{4A3C46E8-61CC-4603-A589-7422A47A8E4A}"/>
     </a:ext>
   </a:extLst>
 </a:theme>

--- a/Bai 18 Chia cum van ban_p1.pptx
+++ b/Bai 18 Chia cum van ban_p1.pptx
@@ -5,7 +5,7 @@
     <p:sldMasterId id="2147483652" r:id="rId1"/>
   </p:sldMasterIdLst>
   <p:notesMasterIdLst>
-    <p:notesMasterId r:id="rId46"/>
+    <p:notesMasterId r:id="rId47"/>
   </p:notesMasterIdLst>
   <p:sldIdLst>
     <p:sldId id="313" r:id="rId2"/>
@@ -51,7 +51,8 @@
     <p:sldId id="525" r:id="rId42"/>
     <p:sldId id="526" r:id="rId43"/>
     <p:sldId id="544" r:id="rId44"/>
-    <p:sldId id="418" r:id="rId45"/>
+    <p:sldId id="548" r:id="rId45"/>
+    <p:sldId id="418" r:id="rId46"/>
   </p:sldIdLst>
   <p:sldSz cx="9144000" cy="6858000" type="screen4x3"/>
   <p:notesSz cx="6858000" cy="9144000"/>
@@ -11708,7 +11709,7 @@
           <p:nvPr/>
         </p:nvPicPr>
         <p:blipFill>
-          <a:blip r:embed="rId3"/>
+          <a:blip/>
           <a:srcRect/>
           <a:stretch>
             <a:fillRect/>
@@ -16318,11 +16319,7 @@
             <a:pPr eaLnBrk="1" hangingPunct="1"/>
             <a:r>
               <a:rPr lang="en-US" sz="3600" smtClean="0"/>
-              <a:t>Bài </a:t>
-            </a:r>
-            <a:r>
-              <a:rPr lang="en-US" sz="3600" smtClean="0"/>
-              <a:t>tập 18.1</a:t>
+              <a:t>Bài tập 18.1</a:t>
             </a:r>
             <a:endParaRPr lang="vi-VN" sz="3600" dirty="0" smtClean="0"/>
           </a:p>
@@ -16409,6 +16406,138 @@
 </file>
 
 <file path=ppt/slides/slide44.xml><?xml version="1.0" encoding="utf-8"?>
+<p:sld xmlns:a="http://schemas.openxmlformats.org/drawingml/2006/main" xmlns:r="http://schemas.openxmlformats.org/officeDocument/2006/relationships" xmlns:p="http://schemas.openxmlformats.org/presentationml/2006/main">
+  <p:cSld>
+    <p:spTree>
+      <p:nvGrpSpPr>
+        <p:cNvPr id="1" name=""/>
+        <p:cNvGrpSpPr/>
+        <p:nvPr/>
+      </p:nvGrpSpPr>
+      <p:grpSpPr>
+        <a:xfrm>
+          <a:off x="0" y="0"/>
+          <a:ext cx="0" cy="0"/>
+          <a:chOff x="0" y="0"/>
+          <a:chExt cx="0" cy="0"/>
+        </a:xfrm>
+      </p:grpSpPr>
+      <p:sp>
+        <p:nvSpPr>
+          <p:cNvPr id="6146" name="Rectangle 2"/>
+          <p:cNvSpPr>
+            <a:spLocks noGrp="1" noChangeArrowheads="1"/>
+          </p:cNvSpPr>
+          <p:nvPr>
+            <p:ph type="title"/>
+          </p:nvPr>
+        </p:nvSpPr>
+        <p:spPr/>
+        <p:txBody>
+          <a:bodyPr/>
+          <a:lstStyle/>
+          <a:p>
+            <a:pPr eaLnBrk="1" hangingPunct="1"/>
+            <a:r>
+              <a:rPr lang="en-US" sz="3600" smtClean="0"/>
+              <a:t>Bài tập 18.2</a:t>
+            </a:r>
+            <a:endParaRPr lang="vi-VN" sz="3600" dirty="0" smtClean="0"/>
+          </a:p>
+        </p:txBody>
+      </p:sp>
+      <p:sp>
+        <p:nvSpPr>
+          <p:cNvPr id="6147" name="Rectangle 3"/>
+          <p:cNvSpPr>
+            <a:spLocks noGrp="1" noChangeArrowheads="1"/>
+          </p:cNvSpPr>
+          <p:nvPr>
+            <p:ph type="body" idx="1"/>
+          </p:nvPr>
+        </p:nvSpPr>
+        <p:spPr>
+          <a:xfrm>
+            <a:off x="611560" y="1916832"/>
+            <a:ext cx="8343528" cy="3888432"/>
+          </a:xfrm>
+        </p:spPr>
+        <p:txBody>
+          <a:bodyPr/>
+          <a:lstStyle/>
+          <a:p>
+            <a:pPr marL="0" indent="0" algn="just" eaLnBrk="1" hangingPunct="1">
+              <a:buNone/>
+              <a:defRPr/>
+            </a:pPr>
+            <a:r>
+              <a:rPr lang="en-US" noProof="1" smtClean="0"/>
+              <a:t>Hãy lấy một ví dụ đơn giản trên không gian một chiều (điểm trên trục số) để minh họa cho trường hợp kém hiệu quả của phương pháp tìm kiếm trên cơ sở chia cụm.</a:t>
+            </a:r>
+          </a:p>
+          <a:p>
+            <a:pPr marL="0" indent="0" algn="just" eaLnBrk="1" hangingPunct="1">
+              <a:buNone/>
+              <a:defRPr/>
+            </a:pPr>
+            <a:r>
+              <a:rPr lang="en-US" noProof="1" smtClean="0"/>
+              <a:t>Trong ví dụ, kết quả tìm kiếm trong cụm gần với câu truy vấn phải kém hơn kết quả tìm kiếm những láng giềng gần nhất.</a:t>
+            </a:r>
+            <a:endParaRPr lang="en-US" noProof="1"/>
+          </a:p>
+        </p:txBody>
+      </p:sp>
+      <p:sp>
+        <p:nvSpPr>
+          <p:cNvPr id="2" name="Slide Number Placeholder 1"/>
+          <p:cNvSpPr>
+            <a:spLocks noGrp="1"/>
+          </p:cNvSpPr>
+          <p:nvPr>
+            <p:ph type="sldNum" sz="quarter" idx="12"/>
+          </p:nvPr>
+        </p:nvSpPr>
+        <p:spPr/>
+        <p:txBody>
+          <a:bodyPr/>
+          <a:lstStyle/>
+          <a:p>
+            <a:pPr>
+              <a:defRPr/>
+            </a:pPr>
+            <a:fld id="{A81E07A1-38DA-436E-9EB2-1E501CB9FFA7}" type="slidenum">
+              <a:rPr lang="vi-VN" smtClean="0"/>
+              <a:pPr>
+                <a:defRPr/>
+              </a:pPr>
+              <a:t>44</a:t>
+            </a:fld>
+            <a:endParaRPr lang="vi-VN"/>
+          </a:p>
+        </p:txBody>
+      </p:sp>
+    </p:spTree>
+    <p:extLst>
+      <p:ext uri="{BB962C8B-B14F-4D97-AF65-F5344CB8AC3E}">
+        <p14:creationId xmlns:p14="http://schemas.microsoft.com/office/powerpoint/2010/main" val="2630263354"/>
+      </p:ext>
+    </p:extLst>
+  </p:cSld>
+  <p:clrMapOvr>
+    <a:masterClrMapping/>
+  </p:clrMapOvr>
+  <p:timing>
+    <p:tnLst>
+      <p:par>
+        <p:cTn id="1" dur="indefinite" restart="never" nodeType="tmRoot"/>
+      </p:par>
+    </p:tnLst>
+  </p:timing>
+</p:sld>
+</file>
+
+<file path=ppt/slides/slide45.xml><?xml version="1.0" encoding="utf-8"?>
 <p:sld xmlns:a="http://schemas.openxmlformats.org/drawingml/2006/main" xmlns:r="http://schemas.openxmlformats.org/officeDocument/2006/relationships" xmlns:p="http://schemas.openxmlformats.org/presentationml/2006/main">
   <p:cSld>
     <p:spTree>
@@ -16522,7 +16651,7 @@
               <a:pPr>
                 <a:defRPr/>
               </a:pPr>
-              <a:t>44</a:t>
+              <a:t>45</a:t>
             </a:fld>
             <a:endParaRPr lang="vi-VN"/>
           </a:p>

--- a/Bai 18 Chia cum van ban_p1.pptx
+++ b/Bai 18 Chia cum van ban_p1.pptx
@@ -5,7 +5,7 @@
     <p:sldMasterId id="2147483652" r:id="rId1"/>
   </p:sldMasterIdLst>
   <p:notesMasterIdLst>
-    <p:notesMasterId r:id="rId47"/>
+    <p:notesMasterId r:id="rId46"/>
   </p:notesMasterIdLst>
   <p:sldIdLst>
     <p:sldId id="313" r:id="rId2"/>
@@ -25,34 +25,33 @@
     <p:sldId id="534" r:id="rId16"/>
     <p:sldId id="535" r:id="rId17"/>
     <p:sldId id="543" r:id="rId18"/>
-    <p:sldId id="536" r:id="rId19"/>
-    <p:sldId id="503" r:id="rId20"/>
-    <p:sldId id="504" r:id="rId21"/>
-    <p:sldId id="505" r:id="rId22"/>
-    <p:sldId id="506" r:id="rId23"/>
-    <p:sldId id="507" r:id="rId24"/>
-    <p:sldId id="508" r:id="rId25"/>
-    <p:sldId id="509" r:id="rId26"/>
-    <p:sldId id="510" r:id="rId27"/>
-    <p:sldId id="511" r:id="rId28"/>
-    <p:sldId id="512" r:id="rId29"/>
-    <p:sldId id="513" r:id="rId30"/>
-    <p:sldId id="514" r:id="rId31"/>
-    <p:sldId id="515" r:id="rId32"/>
-    <p:sldId id="516" r:id="rId33"/>
-    <p:sldId id="517" r:id="rId34"/>
-    <p:sldId id="518" r:id="rId35"/>
-    <p:sldId id="519" r:id="rId36"/>
-    <p:sldId id="520" r:id="rId37"/>
-    <p:sldId id="521" r:id="rId38"/>
-    <p:sldId id="522" r:id="rId39"/>
-    <p:sldId id="523" r:id="rId40"/>
-    <p:sldId id="524" r:id="rId41"/>
-    <p:sldId id="525" r:id="rId42"/>
-    <p:sldId id="526" r:id="rId43"/>
-    <p:sldId id="544" r:id="rId44"/>
-    <p:sldId id="548" r:id="rId45"/>
-    <p:sldId id="418" r:id="rId46"/>
+    <p:sldId id="503" r:id="rId19"/>
+    <p:sldId id="504" r:id="rId20"/>
+    <p:sldId id="505" r:id="rId21"/>
+    <p:sldId id="506" r:id="rId22"/>
+    <p:sldId id="507" r:id="rId23"/>
+    <p:sldId id="508" r:id="rId24"/>
+    <p:sldId id="509" r:id="rId25"/>
+    <p:sldId id="510" r:id="rId26"/>
+    <p:sldId id="511" r:id="rId27"/>
+    <p:sldId id="512" r:id="rId28"/>
+    <p:sldId id="513" r:id="rId29"/>
+    <p:sldId id="514" r:id="rId30"/>
+    <p:sldId id="515" r:id="rId31"/>
+    <p:sldId id="516" r:id="rId32"/>
+    <p:sldId id="517" r:id="rId33"/>
+    <p:sldId id="518" r:id="rId34"/>
+    <p:sldId id="519" r:id="rId35"/>
+    <p:sldId id="520" r:id="rId36"/>
+    <p:sldId id="521" r:id="rId37"/>
+    <p:sldId id="522" r:id="rId38"/>
+    <p:sldId id="523" r:id="rId39"/>
+    <p:sldId id="524" r:id="rId40"/>
+    <p:sldId id="525" r:id="rId41"/>
+    <p:sldId id="526" r:id="rId42"/>
+    <p:sldId id="544" r:id="rId43"/>
+    <p:sldId id="548" r:id="rId44"/>
+    <p:sldId id="418" r:id="rId45"/>
   </p:sldIdLst>
   <p:sldSz cx="9144000" cy="6858000" type="screen4x3"/>
   <p:notesSz cx="6858000" cy="9144000"/>
@@ -183,7 +182,7 @@
   </p:defaultTextStyle>
   <p:extLst>
     <p:ext uri="{EFAFB233-063F-42B5-8137-9DF3F51BA10A}">
-      <p15:sldGuideLst xmlns:p15="http://schemas.microsoft.com/office/powerpoint/2012/main" xmlns="">
+      <p15:sldGuideLst xmlns="" xmlns:p15="http://schemas.microsoft.com/office/powerpoint/2012/main">
         <p15:guide id="1" orient="horz" pos="2160">
           <p15:clr>
             <a:srgbClr val="A4A3A4"/>
@@ -999,7 +998,7 @@
     </p:spTree>
     <p:extLst>
       <p:ext uri="{BB962C8B-B14F-4D97-AF65-F5344CB8AC3E}">
-        <p14:creationId xmlns:p14="http://schemas.microsoft.com/office/powerpoint/2010/main" val="2427284890"/>
+        <p14:creationId xmlns:p14="http://schemas.microsoft.com/office/powerpoint/2010/main" val="2842408858"/>
       </p:ext>
     </p:extLst>
   </p:cSld>
@@ -1114,7 +1113,7 @@
     </p:spTree>
     <p:extLst>
       <p:ext uri="{BB962C8B-B14F-4D97-AF65-F5344CB8AC3E}">
-        <p14:creationId xmlns:p14="http://schemas.microsoft.com/office/powerpoint/2010/main" val="2842408858"/>
+        <p14:creationId xmlns:p14="http://schemas.microsoft.com/office/powerpoint/2010/main" val="3200359617"/>
       </p:ext>
     </p:extLst>
   </p:cSld>
@@ -1229,7 +1228,7 @@
     </p:spTree>
     <p:extLst>
       <p:ext uri="{BB962C8B-B14F-4D97-AF65-F5344CB8AC3E}">
-        <p14:creationId xmlns:p14="http://schemas.microsoft.com/office/powerpoint/2010/main" val="3200359617"/>
+        <p14:creationId xmlns:p14="http://schemas.microsoft.com/office/powerpoint/2010/main" val="330833370"/>
       </p:ext>
     </p:extLst>
   </p:cSld>
@@ -1344,7 +1343,7 @@
     </p:spTree>
     <p:extLst>
       <p:ext uri="{BB962C8B-B14F-4D97-AF65-F5344CB8AC3E}">
-        <p14:creationId xmlns:p14="http://schemas.microsoft.com/office/powerpoint/2010/main" val="330833370"/>
+        <p14:creationId xmlns:p14="http://schemas.microsoft.com/office/powerpoint/2010/main" val="2735138980"/>
       </p:ext>
     </p:extLst>
   </p:cSld>
@@ -1459,7 +1458,7 @@
     </p:spTree>
     <p:extLst>
       <p:ext uri="{BB962C8B-B14F-4D97-AF65-F5344CB8AC3E}">
-        <p14:creationId xmlns:p14="http://schemas.microsoft.com/office/powerpoint/2010/main" val="2735138980"/>
+        <p14:creationId xmlns:p14="http://schemas.microsoft.com/office/powerpoint/2010/main" val="81781899"/>
       </p:ext>
     </p:extLst>
   </p:cSld>
@@ -1574,7 +1573,7 @@
     </p:spTree>
     <p:extLst>
       <p:ext uri="{BB962C8B-B14F-4D97-AF65-F5344CB8AC3E}">
-        <p14:creationId xmlns:p14="http://schemas.microsoft.com/office/powerpoint/2010/main" val="81781899"/>
+        <p14:creationId xmlns:p14="http://schemas.microsoft.com/office/powerpoint/2010/main" val="1763436048"/>
       </p:ext>
     </p:extLst>
   </p:cSld>
@@ -1689,7 +1688,7 @@
     </p:spTree>
     <p:extLst>
       <p:ext uri="{BB962C8B-B14F-4D97-AF65-F5344CB8AC3E}">
-        <p14:creationId xmlns:p14="http://schemas.microsoft.com/office/powerpoint/2010/main" val="1763436048"/>
+        <p14:creationId xmlns:p14="http://schemas.microsoft.com/office/powerpoint/2010/main" val="1283109754"/>
       </p:ext>
     </p:extLst>
   </p:cSld>
@@ -1804,7 +1803,7 @@
     </p:spTree>
     <p:extLst>
       <p:ext uri="{BB962C8B-B14F-4D97-AF65-F5344CB8AC3E}">
-        <p14:creationId xmlns:p14="http://schemas.microsoft.com/office/powerpoint/2010/main" val="1283109754"/>
+        <p14:creationId xmlns:p14="http://schemas.microsoft.com/office/powerpoint/2010/main" val="1543702793"/>
       </p:ext>
     </p:extLst>
   </p:cSld>
@@ -1919,7 +1918,7 @@
     </p:spTree>
     <p:extLst>
       <p:ext uri="{BB962C8B-B14F-4D97-AF65-F5344CB8AC3E}">
-        <p14:creationId xmlns:p14="http://schemas.microsoft.com/office/powerpoint/2010/main" val="1543702793"/>
+        <p14:creationId xmlns:p14="http://schemas.microsoft.com/office/powerpoint/2010/main" val="2965520606"/>
       </p:ext>
     </p:extLst>
   </p:cSld>
@@ -2034,7 +2033,7 @@
     </p:spTree>
     <p:extLst>
       <p:ext uri="{BB962C8B-B14F-4D97-AF65-F5344CB8AC3E}">
-        <p14:creationId xmlns:p14="http://schemas.microsoft.com/office/powerpoint/2010/main" val="2965520606"/>
+        <p14:creationId xmlns:p14="http://schemas.microsoft.com/office/powerpoint/2010/main" val="926961105"/>
       </p:ext>
     </p:extLst>
   </p:cSld>
@@ -2047,6 +2046,14 @@
 <file path=ppt/notesSlides/notesSlide2.xml><?xml version="1.0" encoding="utf-8"?>
 <p:notes xmlns:a="http://schemas.openxmlformats.org/drawingml/2006/main" xmlns:r="http://schemas.openxmlformats.org/officeDocument/2006/relationships" xmlns:p="http://schemas.openxmlformats.org/presentationml/2006/main">
   <p:cSld>
+    <p:bg>
+      <p:bgPr>
+        <a:solidFill>
+          <a:srgbClr val="FFFFFF"/>
+        </a:solidFill>
+        <a:effectLst/>
+      </p:bgPr>
+    </p:bg>
     <p:spTree>
       <p:nvGrpSpPr>
         <p:cNvPr id="1" name=""/>
@@ -2063,68 +2070,85 @@
       </p:grpSpPr>
       <p:sp>
         <p:nvSpPr>
-          <p:cNvPr id="2" name="Slide Image Placeholder 1"/>
-          <p:cNvSpPr>
-            <a:spLocks noGrp="1" noRot="1" noChangeAspect="1"/>
-          </p:cNvSpPr>
-          <p:nvPr>
-            <p:ph type="sldImg"/>
-          </p:nvPr>
-        </p:nvSpPr>
-        <p:spPr/>
-      </p:sp>
-      <p:sp>
-        <p:nvSpPr>
-          <p:cNvPr id="3" name="Notes Placeholder 2"/>
-          <p:cNvSpPr>
-            <a:spLocks noGrp="1"/>
-          </p:cNvSpPr>
-          <p:nvPr>
-            <p:ph type="body" idx="1"/>
-          </p:nvPr>
-        </p:nvSpPr>
-        <p:spPr/>
+          <p:cNvPr id="290818" name="Rectangle 10"/>
+          <p:cNvSpPr>
+            <a:spLocks noGrp="1" noChangeArrowheads="1"/>
+          </p:cNvSpPr>
+          <p:nvPr>
+            <p:ph type="sldNum" sz="quarter"/>
+          </p:nvPr>
+        </p:nvSpPr>
+        <p:spPr>
+          <a:noFill/>
+        </p:spPr>
         <p:txBody>
           <a:bodyPr/>
           <a:lstStyle/>
           <a:p>
-            <a:endParaRPr lang="vi-VN"/>
-          </a:p>
-        </p:txBody>
-      </p:sp>
-      <p:sp>
-        <p:nvSpPr>
-          <p:cNvPr id="4" name="Slide Number Placeholder 3"/>
-          <p:cNvSpPr>
-            <a:spLocks noGrp="1"/>
-          </p:cNvSpPr>
-          <p:nvPr>
-            <p:ph type="sldNum" sz="quarter" idx="10"/>
-          </p:nvPr>
-        </p:nvSpPr>
-        <p:spPr/>
-        <p:txBody>
-          <a:bodyPr/>
-          <a:lstStyle/>
-          <a:p>
-            <a:pPr>
-              <a:defRPr/>
-            </a:pPr>
-            <a:fld id="{585E8FF7-254D-404A-8133-35E4F866AECA}" type="slidenum">
-              <a:rPr lang="vi-VN" smtClean="0"/>
-              <a:pPr>
-                <a:defRPr/>
-              </a:pPr>
+            <a:fld id="{A2FE425C-E8C6-42B7-AC35-B57F8DB5BEF8}" type="slidenum">
+              <a:rPr lang="en-US" smtClean="0">
+                <a:ea typeface="ＭＳ Ｐゴシック" charset="-128"/>
+              </a:rPr>
+              <a:pPr/>
               <a:t>18</a:t>
             </a:fld>
-            <a:endParaRPr lang="vi-VN"/>
+            <a:endParaRPr lang="en-US" smtClean="0">
+              <a:ea typeface="ＭＳ Ｐゴシック" charset="-128"/>
+            </a:endParaRPr>
+          </a:p>
+        </p:txBody>
+      </p:sp>
+      <p:sp>
+        <p:nvSpPr>
+          <p:cNvPr id="290819" name="Rectangle 1"/>
+          <p:cNvSpPr>
+            <a:spLocks noGrp="1" noRot="1" noChangeAspect="1" noChangeArrowheads="1" noTextEdit="1"/>
+          </p:cNvSpPr>
+          <p:nvPr>
+            <p:ph type="sldImg"/>
+          </p:nvPr>
+        </p:nvSpPr>
+        <p:spPr>
+          <a:xfrm>
+            <a:off x="1257300" y="720725"/>
+            <a:ext cx="4800600" cy="3600450"/>
+          </a:xfrm>
+          <a:solidFill>
+            <a:srgbClr val="FFFFFF"/>
+          </a:solidFill>
+          <a:ln/>
+        </p:spPr>
+      </p:sp>
+      <p:sp>
+        <p:nvSpPr>
+          <p:cNvPr id="290820" name="Rectangle 2"/>
+          <p:cNvSpPr>
+            <a:spLocks noGrp="1" noChangeArrowheads="1"/>
+          </p:cNvSpPr>
+          <p:nvPr>
+            <p:ph type="body" idx="1"/>
+          </p:nvPr>
+        </p:nvSpPr>
+        <p:spPr>
+          <a:xfrm>
+            <a:off x="974725" y="4560888"/>
+            <a:ext cx="5360988" cy="4316412"/>
+          </a:xfrm>
+          <a:noFill/>
+          <a:ln/>
+        </p:spPr>
+        <p:txBody>
+          <a:bodyPr wrap="none" anchor="ctr"/>
+          <a:lstStyle/>
+          <a:p>
+            <a:endParaRPr lang="de-DE" smtClean="0"/>
           </a:p>
         </p:txBody>
       </p:sp>
     </p:spTree>
     <p:extLst>
       <p:ext uri="{BB962C8B-B14F-4D97-AF65-F5344CB8AC3E}">
-        <p14:creationId xmlns:p14="http://schemas.microsoft.com/office/powerpoint/2010/main" val="1642237366"/>
+        <p14:creationId xmlns:p14="http://schemas.microsoft.com/office/powerpoint/2010/main" val="1432675253"/>
       </p:ext>
     </p:extLst>
   </p:cSld>
@@ -2239,7 +2263,7 @@
     </p:spTree>
     <p:extLst>
       <p:ext uri="{BB962C8B-B14F-4D97-AF65-F5344CB8AC3E}">
-        <p14:creationId xmlns:p14="http://schemas.microsoft.com/office/powerpoint/2010/main" val="926961105"/>
+        <p14:creationId xmlns:p14="http://schemas.microsoft.com/office/powerpoint/2010/main" val="4277543731"/>
       </p:ext>
     </p:extLst>
   </p:cSld>
@@ -2354,7 +2378,7 @@
     </p:spTree>
     <p:extLst>
       <p:ext uri="{BB962C8B-B14F-4D97-AF65-F5344CB8AC3E}">
-        <p14:creationId xmlns:p14="http://schemas.microsoft.com/office/powerpoint/2010/main" val="4277543731"/>
+        <p14:creationId xmlns:p14="http://schemas.microsoft.com/office/powerpoint/2010/main" val="1830350877"/>
       </p:ext>
     </p:extLst>
   </p:cSld>
@@ -2469,7 +2493,7 @@
     </p:spTree>
     <p:extLst>
       <p:ext uri="{BB962C8B-B14F-4D97-AF65-F5344CB8AC3E}">
-        <p14:creationId xmlns:p14="http://schemas.microsoft.com/office/powerpoint/2010/main" val="1830350877"/>
+        <p14:creationId xmlns:p14="http://schemas.microsoft.com/office/powerpoint/2010/main" val="921675720"/>
       </p:ext>
     </p:extLst>
   </p:cSld>
@@ -2584,7 +2608,7 @@
     </p:spTree>
     <p:extLst>
       <p:ext uri="{BB962C8B-B14F-4D97-AF65-F5344CB8AC3E}">
-        <p14:creationId xmlns:p14="http://schemas.microsoft.com/office/powerpoint/2010/main" val="921675720"/>
+        <p14:creationId xmlns:p14="http://schemas.microsoft.com/office/powerpoint/2010/main" val="3559447318"/>
       </p:ext>
     </p:extLst>
   </p:cSld>
@@ -2699,7 +2723,7 @@
     </p:spTree>
     <p:extLst>
       <p:ext uri="{BB962C8B-B14F-4D97-AF65-F5344CB8AC3E}">
-        <p14:creationId xmlns:p14="http://schemas.microsoft.com/office/powerpoint/2010/main" val="3559447318"/>
+        <p14:creationId xmlns:p14="http://schemas.microsoft.com/office/powerpoint/2010/main" val="1650431856"/>
       </p:ext>
     </p:extLst>
   </p:cSld>
@@ -2757,121 +2781,6 @@
               </a:rPr>
               <a:pPr/>
               <a:t>41</a:t>
-            </a:fld>
-            <a:endParaRPr lang="en-US" smtClean="0">
-              <a:ea typeface="ＭＳ Ｐゴシック" charset="-128"/>
-            </a:endParaRPr>
-          </a:p>
-        </p:txBody>
-      </p:sp>
-      <p:sp>
-        <p:nvSpPr>
-          <p:cNvPr id="290819" name="Rectangle 1"/>
-          <p:cNvSpPr>
-            <a:spLocks noGrp="1" noRot="1" noChangeAspect="1" noChangeArrowheads="1" noTextEdit="1"/>
-          </p:cNvSpPr>
-          <p:nvPr>
-            <p:ph type="sldImg"/>
-          </p:nvPr>
-        </p:nvSpPr>
-        <p:spPr>
-          <a:xfrm>
-            <a:off x="1257300" y="720725"/>
-            <a:ext cx="4800600" cy="3600450"/>
-          </a:xfrm>
-          <a:solidFill>
-            <a:srgbClr val="FFFFFF"/>
-          </a:solidFill>
-          <a:ln/>
-        </p:spPr>
-      </p:sp>
-      <p:sp>
-        <p:nvSpPr>
-          <p:cNvPr id="290820" name="Rectangle 2"/>
-          <p:cNvSpPr>
-            <a:spLocks noGrp="1" noChangeArrowheads="1"/>
-          </p:cNvSpPr>
-          <p:nvPr>
-            <p:ph type="body" idx="1"/>
-          </p:nvPr>
-        </p:nvSpPr>
-        <p:spPr>
-          <a:xfrm>
-            <a:off x="974725" y="4560888"/>
-            <a:ext cx="5360988" cy="4316412"/>
-          </a:xfrm>
-          <a:noFill/>
-          <a:ln/>
-        </p:spPr>
-        <p:txBody>
-          <a:bodyPr wrap="none" anchor="ctr"/>
-          <a:lstStyle/>
-          <a:p>
-            <a:endParaRPr lang="de-DE" smtClean="0"/>
-          </a:p>
-        </p:txBody>
-      </p:sp>
-    </p:spTree>
-    <p:extLst>
-      <p:ext uri="{BB962C8B-B14F-4D97-AF65-F5344CB8AC3E}">
-        <p14:creationId xmlns:p14="http://schemas.microsoft.com/office/powerpoint/2010/main" val="1650431856"/>
-      </p:ext>
-    </p:extLst>
-  </p:cSld>
-  <p:clrMapOvr>
-    <a:masterClrMapping/>
-  </p:clrMapOvr>
-</p:notes>
-</file>
-
-<file path=ppt/notesSlides/notesSlide26.xml><?xml version="1.0" encoding="utf-8"?>
-<p:notes xmlns:a="http://schemas.openxmlformats.org/drawingml/2006/main" xmlns:r="http://schemas.openxmlformats.org/officeDocument/2006/relationships" xmlns:p="http://schemas.openxmlformats.org/presentationml/2006/main">
-  <p:cSld>
-    <p:bg>
-      <p:bgPr>
-        <a:solidFill>
-          <a:srgbClr val="FFFFFF"/>
-        </a:solidFill>
-        <a:effectLst/>
-      </p:bgPr>
-    </p:bg>
-    <p:spTree>
-      <p:nvGrpSpPr>
-        <p:cNvPr id="1" name=""/>
-        <p:cNvGrpSpPr/>
-        <p:nvPr/>
-      </p:nvGrpSpPr>
-      <p:grpSpPr>
-        <a:xfrm>
-          <a:off x="0" y="0"/>
-          <a:ext cx="0" cy="0"/>
-          <a:chOff x="0" y="0"/>
-          <a:chExt cx="0" cy="0"/>
-        </a:xfrm>
-      </p:grpSpPr>
-      <p:sp>
-        <p:nvSpPr>
-          <p:cNvPr id="290818" name="Rectangle 10"/>
-          <p:cNvSpPr>
-            <a:spLocks noGrp="1" noChangeArrowheads="1"/>
-          </p:cNvSpPr>
-          <p:nvPr>
-            <p:ph type="sldNum" sz="quarter"/>
-          </p:nvPr>
-        </p:nvSpPr>
-        <p:spPr>
-          <a:noFill/>
-        </p:spPr>
-        <p:txBody>
-          <a:bodyPr/>
-          <a:lstStyle/>
-          <a:p>
-            <a:fld id="{A2FE425C-E8C6-42B7-AC35-B57F8DB5BEF8}" type="slidenum">
-              <a:rPr lang="en-US" smtClean="0">
-                <a:ea typeface="ＭＳ Ｐゴシック" charset="-128"/>
-              </a:rPr>
-              <a:pPr/>
-              <a:t>42</a:t>
             </a:fld>
             <a:endParaRPr lang="en-US" smtClean="0">
               <a:ea typeface="ＭＳ Ｐゴシック" charset="-128"/>
@@ -2966,7 +2875,7 @@
       </p:grpSpPr>
       <p:sp>
         <p:nvSpPr>
-          <p:cNvPr id="290818" name="Rectangle 10"/>
+          <p:cNvPr id="291842" name="Rectangle 10"/>
           <p:cNvSpPr>
             <a:spLocks noGrp="1" noChangeArrowheads="1"/>
           </p:cNvSpPr>
@@ -2981,7 +2890,7 @@
           <a:bodyPr/>
           <a:lstStyle/>
           <a:p>
-            <a:fld id="{A2FE425C-E8C6-42B7-AC35-B57F8DB5BEF8}" type="slidenum">
+            <a:fld id="{7877EAF2-EF67-4E70-95E3-8FCEFB74D208}" type="slidenum">
               <a:rPr lang="en-US" smtClean="0">
                 <a:ea typeface="ＭＳ Ｐゴシック" charset="-128"/>
               </a:rPr>
@@ -2996,7 +2905,7 @@
       </p:sp>
       <p:sp>
         <p:nvSpPr>
-          <p:cNvPr id="290819" name="Rectangle 1"/>
+          <p:cNvPr id="291843" name="Rectangle 1"/>
           <p:cNvSpPr>
             <a:spLocks noGrp="1" noRot="1" noChangeAspect="1" noChangeArrowheads="1" noTextEdit="1"/>
           </p:cNvSpPr>
@@ -3017,7 +2926,7 @@
       </p:sp>
       <p:sp>
         <p:nvSpPr>
-          <p:cNvPr id="290820" name="Rectangle 2"/>
+          <p:cNvPr id="291844" name="Rectangle 2"/>
           <p:cNvSpPr>
             <a:spLocks noGrp="1" noChangeArrowheads="1"/>
           </p:cNvSpPr>
@@ -3044,7 +2953,7 @@
     </p:spTree>
     <p:extLst>
       <p:ext uri="{BB962C8B-B14F-4D97-AF65-F5344CB8AC3E}">
-        <p14:creationId xmlns:p14="http://schemas.microsoft.com/office/powerpoint/2010/main" val="1432675253"/>
+        <p14:creationId xmlns:p14="http://schemas.microsoft.com/office/powerpoint/2010/main" val="814150473"/>
       </p:ext>
     </p:extLst>
   </p:cSld>
@@ -3081,7 +2990,7 @@
       </p:grpSpPr>
       <p:sp>
         <p:nvSpPr>
-          <p:cNvPr id="291842" name="Rectangle 10"/>
+          <p:cNvPr id="290818" name="Rectangle 10"/>
           <p:cNvSpPr>
             <a:spLocks noGrp="1" noChangeArrowheads="1"/>
           </p:cNvSpPr>
@@ -3096,7 +3005,7 @@
           <a:bodyPr/>
           <a:lstStyle/>
           <a:p>
-            <a:fld id="{7877EAF2-EF67-4E70-95E3-8FCEFB74D208}" type="slidenum">
+            <a:fld id="{A2FE425C-E8C6-42B7-AC35-B57F8DB5BEF8}" type="slidenum">
               <a:rPr lang="en-US" smtClean="0">
                 <a:ea typeface="ＭＳ Ｐゴシック" charset="-128"/>
               </a:rPr>
@@ -3111,7 +3020,7 @@
       </p:sp>
       <p:sp>
         <p:nvSpPr>
-          <p:cNvPr id="291843" name="Rectangle 1"/>
+          <p:cNvPr id="290819" name="Rectangle 1"/>
           <p:cNvSpPr>
             <a:spLocks noGrp="1" noRot="1" noChangeAspect="1" noChangeArrowheads="1" noTextEdit="1"/>
           </p:cNvSpPr>
@@ -3132,7 +3041,7 @@
       </p:sp>
       <p:sp>
         <p:nvSpPr>
-          <p:cNvPr id="291844" name="Rectangle 2"/>
+          <p:cNvPr id="290820" name="Rectangle 2"/>
           <p:cNvSpPr>
             <a:spLocks noGrp="1" noChangeArrowheads="1"/>
           </p:cNvSpPr>
@@ -3159,7 +3068,7 @@
     </p:spTree>
     <p:extLst>
       <p:ext uri="{BB962C8B-B14F-4D97-AF65-F5344CB8AC3E}">
-        <p14:creationId xmlns:p14="http://schemas.microsoft.com/office/powerpoint/2010/main" val="814150473"/>
+        <p14:creationId xmlns:p14="http://schemas.microsoft.com/office/powerpoint/2010/main" val="3950139529"/>
       </p:ext>
     </p:extLst>
   </p:cSld>
@@ -3274,7 +3183,7 @@
     </p:spTree>
     <p:extLst>
       <p:ext uri="{BB962C8B-B14F-4D97-AF65-F5344CB8AC3E}">
-        <p14:creationId xmlns:p14="http://schemas.microsoft.com/office/powerpoint/2010/main" val="3950139529"/>
+        <p14:creationId xmlns:p14="http://schemas.microsoft.com/office/powerpoint/2010/main" val="3726239863"/>
       </p:ext>
     </p:extLst>
   </p:cSld>
@@ -3389,7 +3298,7 @@
     </p:spTree>
     <p:extLst>
       <p:ext uri="{BB962C8B-B14F-4D97-AF65-F5344CB8AC3E}">
-        <p14:creationId xmlns:p14="http://schemas.microsoft.com/office/powerpoint/2010/main" val="3726239863"/>
+        <p14:creationId xmlns:p14="http://schemas.microsoft.com/office/powerpoint/2010/main" val="3666374379"/>
       </p:ext>
     </p:extLst>
   </p:cSld>
@@ -3504,7 +3413,7 @@
     </p:spTree>
     <p:extLst>
       <p:ext uri="{BB962C8B-B14F-4D97-AF65-F5344CB8AC3E}">
-        <p14:creationId xmlns:p14="http://schemas.microsoft.com/office/powerpoint/2010/main" val="3666374379"/>
+        <p14:creationId xmlns:p14="http://schemas.microsoft.com/office/powerpoint/2010/main" val="407702341"/>
       </p:ext>
     </p:extLst>
   </p:cSld>
@@ -3619,7 +3528,7 @@
     </p:spTree>
     <p:extLst>
       <p:ext uri="{BB962C8B-B14F-4D97-AF65-F5344CB8AC3E}">
-        <p14:creationId xmlns:p14="http://schemas.microsoft.com/office/powerpoint/2010/main" val="407702341"/>
+        <p14:creationId xmlns:p14="http://schemas.microsoft.com/office/powerpoint/2010/main" val="3081964708"/>
       </p:ext>
     </p:extLst>
   </p:cSld>
@@ -3734,7 +3643,7 @@
     </p:spTree>
     <p:extLst>
       <p:ext uri="{BB962C8B-B14F-4D97-AF65-F5344CB8AC3E}">
-        <p14:creationId xmlns:p14="http://schemas.microsoft.com/office/powerpoint/2010/main" val="3081964708"/>
+        <p14:creationId xmlns:p14="http://schemas.microsoft.com/office/powerpoint/2010/main" val="2427284890"/>
       </p:ext>
     </p:extLst>
   </p:cSld>
@@ -11568,7 +11477,23 @@
             </a:pPr>
             <a:r>
               <a:rPr lang="en-US" sz="2800" noProof="1"/>
-              <a:t>Hàm mục tiêu: Tổng bình phương khoảng cách giữa các văn bản và trọng tâm cụm của </a:t>
+              <a:t>Hàm mục tiêu: </a:t>
+            </a:r>
+            <a:r>
+              <a:rPr lang="en-US" sz="2800" noProof="1" smtClean="0"/>
+              <a:t>Tổng </a:t>
+            </a:r>
+            <a:r>
+              <a:rPr lang="en-US" sz="2800" noProof="1"/>
+              <a:t>bình phương khoảng cách giữa các văn bản và </a:t>
+            </a:r>
+            <a:r>
+              <a:rPr lang="en-US" sz="2800" noProof="1" smtClean="0"/>
+              <a:t>tâm </a:t>
+            </a:r>
+            <a:r>
+              <a:rPr lang="en-US" sz="2800" noProof="1"/>
+              <a:t>cụm của </a:t>
             </a:r>
             <a:r>
               <a:rPr lang="en-US" sz="2800" noProof="1" smtClean="0"/>
@@ -11643,132 +11568,6 @@
           <a:chExt cx="0" cy="0"/>
         </a:xfrm>
       </p:grpSpPr>
-      <p:sp>
-        <p:nvSpPr>
-          <p:cNvPr id="6146" name="Rectangle 2"/>
-          <p:cNvSpPr>
-            <a:spLocks noGrp="1" noChangeArrowheads="1"/>
-          </p:cNvSpPr>
-          <p:nvPr>
-            <p:ph type="title"/>
-          </p:nvPr>
-        </p:nvSpPr>
-        <p:spPr/>
-        <p:txBody>
-          <a:bodyPr/>
-          <a:lstStyle/>
-          <a:p>
-            <a:pPr eaLnBrk="1" hangingPunct="1"/>
-            <a:r>
-              <a:rPr lang="vi-VN" sz="3600" dirty="0" smtClean="0"/>
-              <a:t>Giải </a:t>
-            </a:r>
-            <a:r>
-              <a:rPr lang="vi-VN" sz="3600" smtClean="0"/>
-              <a:t>thuật K-means (4)</a:t>
-            </a:r>
-            <a:endParaRPr lang="vi-VN" sz="3600" dirty="0" smtClean="0"/>
-          </a:p>
-        </p:txBody>
-      </p:sp>
-      <p:sp>
-        <p:nvSpPr>
-          <p:cNvPr id="2" name="Slide Number Placeholder 1"/>
-          <p:cNvSpPr>
-            <a:spLocks noGrp="1"/>
-          </p:cNvSpPr>
-          <p:nvPr>
-            <p:ph type="sldNum" sz="quarter" idx="12"/>
-          </p:nvPr>
-        </p:nvSpPr>
-        <p:spPr/>
-        <p:txBody>
-          <a:bodyPr/>
-          <a:lstStyle/>
-          <a:p>
-            <a:pPr>
-              <a:defRPr/>
-            </a:pPr>
-            <a:fld id="{A81E07A1-38DA-436E-9EB2-1E501CB9FFA7}" type="slidenum">
-              <a:rPr lang="vi-VN" smtClean="0"/>
-              <a:pPr>
-                <a:defRPr/>
-              </a:pPr>
-              <a:t>18</a:t>
-            </a:fld>
-            <a:endParaRPr lang="vi-VN"/>
-          </a:p>
-        </p:txBody>
-      </p:sp>
-      <p:pic>
-        <p:nvPicPr>
-          <p:cNvPr id="6" name="Picture 1"/>
-          <p:cNvPicPr>
-            <a:picLocks noChangeAspect="1" noChangeArrowheads="1"/>
-          </p:cNvPicPr>
-          <p:nvPr/>
-        </p:nvPicPr>
-        <p:blipFill>
-          <a:blip/>
-          <a:srcRect/>
-          <a:stretch>
-            <a:fillRect/>
-          </a:stretch>
-        </p:blipFill>
-        <p:spPr bwMode="auto">
-          <a:xfrm>
-            <a:off x="368299" y="1835423"/>
-            <a:ext cx="8213417" cy="4833937"/>
-          </a:xfrm>
-          <a:prstGeom prst="rect">
-            <a:avLst/>
-          </a:prstGeom>
-          <a:noFill/>
-          <a:ln w="9525">
-            <a:noFill/>
-            <a:round/>
-            <a:headEnd/>
-            <a:tailEnd/>
-          </a:ln>
-        </p:spPr>
-      </p:pic>
-    </p:spTree>
-    <p:extLst>
-      <p:ext uri="{BB962C8B-B14F-4D97-AF65-F5344CB8AC3E}">
-        <p14:creationId xmlns:p14="http://schemas.microsoft.com/office/powerpoint/2010/main" val="1046861227"/>
-      </p:ext>
-    </p:extLst>
-  </p:cSld>
-  <p:clrMapOvr>
-    <a:masterClrMapping/>
-  </p:clrMapOvr>
-  <p:timing>
-    <p:tnLst>
-      <p:par>
-        <p:cTn id="1" dur="indefinite" restart="never" nodeType="tmRoot"/>
-      </p:par>
-    </p:tnLst>
-  </p:timing>
-</p:sld>
-</file>
-
-<file path=ppt/slides/slide19.xml><?xml version="1.0" encoding="utf-8"?>
-<p:sld xmlns:a="http://schemas.openxmlformats.org/drawingml/2006/main" xmlns:r="http://schemas.openxmlformats.org/officeDocument/2006/relationships" xmlns:p="http://schemas.openxmlformats.org/presentationml/2006/main">
-  <p:cSld>
-    <p:spTree>
-      <p:nvGrpSpPr>
-        <p:cNvPr id="1" name=""/>
-        <p:cNvGrpSpPr/>
-        <p:nvPr/>
-      </p:nvGrpSpPr>
-      <p:grpSpPr>
-        <a:xfrm>
-          <a:off x="0" y="0"/>
-          <a:ext cx="0" cy="0"/>
-          <a:chOff x="0" y="0"/>
-          <a:chExt cx="0" cy="0"/>
-        </a:xfrm>
-      </p:grpSpPr>
       <p:pic>
         <p:nvPicPr>
           <p:cNvPr id="4" name="Picture 3" descr="1640.png"/>
@@ -11844,7 +11643,7 @@
               <a:pPr>
                 <a:defRPr/>
               </a:pPr>
-              <a:t>19</a:t>
+              <a:t>18</a:t>
             </a:fld>
             <a:endParaRPr lang="vi-VN"/>
           </a:p>
@@ -11891,160 +11690,7 @@
 </p:sld>
 </file>
 
-<file path=ppt/slides/slide2.xml><?xml version="1.0" encoding="utf-8"?>
-<p:sld xmlns:a="http://schemas.openxmlformats.org/drawingml/2006/main" xmlns:r="http://schemas.openxmlformats.org/officeDocument/2006/relationships" xmlns:p="http://schemas.openxmlformats.org/presentationml/2006/main">
-  <p:cSld>
-    <p:spTree>
-      <p:nvGrpSpPr>
-        <p:cNvPr id="1" name=""/>
-        <p:cNvGrpSpPr/>
-        <p:nvPr/>
-      </p:nvGrpSpPr>
-      <p:grpSpPr>
-        <a:xfrm>
-          <a:off x="0" y="0"/>
-          <a:ext cx="0" cy="0"/>
-          <a:chOff x="0" y="0"/>
-          <a:chExt cx="0" cy="0"/>
-        </a:xfrm>
-      </p:grpSpPr>
-      <p:sp>
-        <p:nvSpPr>
-          <p:cNvPr id="6146" name="Rectangle 2"/>
-          <p:cNvSpPr>
-            <a:spLocks noGrp="1" noChangeArrowheads="1"/>
-          </p:cNvSpPr>
-          <p:nvPr>
-            <p:ph type="title"/>
-          </p:nvPr>
-        </p:nvSpPr>
-        <p:spPr/>
-        <p:txBody>
-          <a:bodyPr/>
-          <a:lstStyle/>
-          <a:p>
-            <a:pPr eaLnBrk="1" hangingPunct="1"/>
-            <a:r>
-              <a:rPr lang="vi-VN" sz="3600" dirty="0" smtClean="0"/>
-              <a:t>Nội dung chính</a:t>
-            </a:r>
-          </a:p>
-        </p:txBody>
-      </p:sp>
-      <p:sp>
-        <p:nvSpPr>
-          <p:cNvPr id="6147" name="Rectangle 3"/>
-          <p:cNvSpPr>
-            <a:spLocks noGrp="1" noChangeArrowheads="1"/>
-          </p:cNvSpPr>
-          <p:nvPr>
-            <p:ph type="body" idx="1"/>
-          </p:nvPr>
-        </p:nvSpPr>
-        <p:spPr>
-          <a:xfrm>
-            <a:off x="611560" y="2017713"/>
-            <a:ext cx="8343528" cy="4114800"/>
-          </a:xfrm>
-        </p:spPr>
-        <p:txBody>
-          <a:bodyPr/>
-          <a:lstStyle/>
-          <a:p>
-            <a:pPr algn="just" eaLnBrk="1" hangingPunct="1">
-              <a:defRPr/>
-            </a:pPr>
-            <a:r>
-              <a:rPr lang="vi-VN" sz="2800" smtClean="0"/>
-              <a:t>Bài toán </a:t>
-            </a:r>
-            <a:r>
-              <a:rPr lang="vi-VN" sz="2800" dirty="0" smtClean="0"/>
-              <a:t>chia cụm</a:t>
-            </a:r>
-          </a:p>
-          <a:p>
-            <a:pPr algn="just" eaLnBrk="1" hangingPunct="1">
-              <a:defRPr/>
-            </a:pPr>
-            <a:r>
-              <a:rPr lang="vi-VN" sz="2800" dirty="0" smtClean="0">
-                <a:solidFill>
-                  <a:schemeClr val="bg1">
-                    <a:lumMod val="65000"/>
-                  </a:schemeClr>
-                </a:solidFill>
-              </a:rPr>
-              <a:t>Ứng dụng chia cụm trong tìm kiếm</a:t>
-            </a:r>
-          </a:p>
-          <a:p>
-            <a:pPr algn="just" eaLnBrk="1" hangingPunct="1">
-              <a:defRPr/>
-            </a:pPr>
-            <a:r>
-              <a:rPr lang="vi-VN" sz="2800" dirty="0" smtClean="0">
-                <a:solidFill>
-                  <a:schemeClr val="bg1">
-                    <a:lumMod val="65000"/>
-                  </a:schemeClr>
-                </a:solidFill>
-              </a:rPr>
-              <a:t>Giải thuật K-means</a:t>
-            </a:r>
-          </a:p>
-        </p:txBody>
-      </p:sp>
-      <p:sp>
-        <p:nvSpPr>
-          <p:cNvPr id="2" name="Slide Number Placeholder 1"/>
-          <p:cNvSpPr>
-            <a:spLocks noGrp="1"/>
-          </p:cNvSpPr>
-          <p:nvPr>
-            <p:ph type="sldNum" sz="quarter" idx="12"/>
-          </p:nvPr>
-        </p:nvSpPr>
-        <p:spPr/>
-        <p:txBody>
-          <a:bodyPr/>
-          <a:lstStyle/>
-          <a:p>
-            <a:pPr>
-              <a:defRPr/>
-            </a:pPr>
-            <a:fld id="{A81E07A1-38DA-436E-9EB2-1E501CB9FFA7}" type="slidenum">
-              <a:rPr lang="vi-VN" smtClean="0"/>
-              <a:pPr>
-                <a:defRPr/>
-              </a:pPr>
-              <a:t>2</a:t>
-            </a:fld>
-            <a:endParaRPr lang="vi-VN"/>
-          </a:p>
-        </p:txBody>
-      </p:sp>
-    </p:spTree>
-    <p:extLst>
-      <p:ext uri="{BB962C8B-B14F-4D97-AF65-F5344CB8AC3E}">
-        <p14:creationId xmlns:p14="http://schemas.microsoft.com/office/powerpoint/2010/main" val="1540941927"/>
-      </p:ext>
-    </p:extLst>
-  </p:cSld>
-  <p:clrMapOvr>
-    <a:masterClrMapping/>
-  </p:clrMapOvr>
-  <p:timing>
-    <p:tnLst>
-      <p:par>
-        <p:cTn id="1" dur="indefinite" restart="never" nodeType="tmRoot"/>
-      </p:par>
-    </p:tnLst>
-  </p:timing>
-</p:sld>
-</file>
-
-<file path=ppt/slides/slide20.xml><?xml version="1.0" encoding="utf-8"?>
+<file path=ppt/slides/slide19.xml><?xml version="1.0" encoding="utf-8"?>
 <p:sld xmlns:a="http://schemas.openxmlformats.org/drawingml/2006/main" xmlns:r="http://schemas.openxmlformats.org/officeDocument/2006/relationships" xmlns:p="http://schemas.openxmlformats.org/presentationml/2006/main">
   <p:cSld>
     <p:spTree>
@@ -12337,7 +11983,7 @@
               <a:pPr>
                 <a:defRPr/>
               </a:pPr>
-              <a:t>20</a:t>
+              <a:t>19</a:t>
             </a:fld>
             <a:endParaRPr lang="vi-VN"/>
           </a:p>
@@ -12347,6 +11993,318 @@
     <p:extLst>
       <p:ext uri="{BB962C8B-B14F-4D97-AF65-F5344CB8AC3E}">
         <p14:creationId xmlns:p14="http://schemas.microsoft.com/office/powerpoint/2010/main" val="1965255450"/>
+      </p:ext>
+    </p:extLst>
+  </p:cSld>
+  <p:clrMapOvr>
+    <a:masterClrMapping/>
+  </p:clrMapOvr>
+  <p:transition spd="med"/>
+  <p:timing>
+    <p:tnLst>
+      <p:par>
+        <p:cTn id="1" dur="indefinite" restart="never" nodeType="tmRoot">
+          <p:childTnLst>
+            <p:seq concurrent="1" nextAc="seek">
+              <p:cTn id="2" dur="indefinite" nodeType="mainSeq"/>
+              <p:prevCondLst>
+                <p:cond evt="onPrev" delay="0">
+                  <p:tgtEl>
+                    <p:sldTgt/>
+                  </p:tgtEl>
+                </p:cond>
+              </p:prevCondLst>
+              <p:nextCondLst>
+                <p:cond evt="onNext" delay="0">
+                  <p:tgtEl>
+                    <p:sldTgt/>
+                  </p:tgtEl>
+                </p:cond>
+              </p:nextCondLst>
+            </p:seq>
+          </p:childTnLst>
+        </p:cTn>
+      </p:par>
+    </p:tnLst>
+  </p:timing>
+</p:sld>
+</file>
+
+<file path=ppt/slides/slide2.xml><?xml version="1.0" encoding="utf-8"?>
+<p:sld xmlns:a="http://schemas.openxmlformats.org/drawingml/2006/main" xmlns:r="http://schemas.openxmlformats.org/officeDocument/2006/relationships" xmlns:p="http://schemas.openxmlformats.org/presentationml/2006/main">
+  <p:cSld>
+    <p:spTree>
+      <p:nvGrpSpPr>
+        <p:cNvPr id="1" name=""/>
+        <p:cNvGrpSpPr/>
+        <p:nvPr/>
+      </p:nvGrpSpPr>
+      <p:grpSpPr>
+        <a:xfrm>
+          <a:off x="0" y="0"/>
+          <a:ext cx="0" cy="0"/>
+          <a:chOff x="0" y="0"/>
+          <a:chExt cx="0" cy="0"/>
+        </a:xfrm>
+      </p:grpSpPr>
+      <p:sp>
+        <p:nvSpPr>
+          <p:cNvPr id="6146" name="Rectangle 2"/>
+          <p:cNvSpPr>
+            <a:spLocks noGrp="1" noChangeArrowheads="1"/>
+          </p:cNvSpPr>
+          <p:nvPr>
+            <p:ph type="title"/>
+          </p:nvPr>
+        </p:nvSpPr>
+        <p:spPr/>
+        <p:txBody>
+          <a:bodyPr/>
+          <a:lstStyle/>
+          <a:p>
+            <a:pPr eaLnBrk="1" hangingPunct="1"/>
+            <a:r>
+              <a:rPr lang="vi-VN" sz="3600" dirty="0" smtClean="0"/>
+              <a:t>Nội dung chính</a:t>
+            </a:r>
+          </a:p>
+        </p:txBody>
+      </p:sp>
+      <p:sp>
+        <p:nvSpPr>
+          <p:cNvPr id="6147" name="Rectangle 3"/>
+          <p:cNvSpPr>
+            <a:spLocks noGrp="1" noChangeArrowheads="1"/>
+          </p:cNvSpPr>
+          <p:nvPr>
+            <p:ph type="body" idx="1"/>
+          </p:nvPr>
+        </p:nvSpPr>
+        <p:spPr>
+          <a:xfrm>
+            <a:off x="611560" y="2017713"/>
+            <a:ext cx="8343528" cy="4114800"/>
+          </a:xfrm>
+        </p:spPr>
+        <p:txBody>
+          <a:bodyPr/>
+          <a:lstStyle/>
+          <a:p>
+            <a:pPr algn="just" eaLnBrk="1" hangingPunct="1">
+              <a:defRPr/>
+            </a:pPr>
+            <a:r>
+              <a:rPr lang="vi-VN" sz="2800" smtClean="0"/>
+              <a:t>Bài toán </a:t>
+            </a:r>
+            <a:r>
+              <a:rPr lang="vi-VN" sz="2800" dirty="0" smtClean="0"/>
+              <a:t>chia cụm</a:t>
+            </a:r>
+          </a:p>
+          <a:p>
+            <a:pPr algn="just" eaLnBrk="1" hangingPunct="1">
+              <a:defRPr/>
+            </a:pPr>
+            <a:r>
+              <a:rPr lang="vi-VN" sz="2800" dirty="0" smtClean="0">
+                <a:solidFill>
+                  <a:schemeClr val="bg1">
+                    <a:lumMod val="65000"/>
+                  </a:schemeClr>
+                </a:solidFill>
+              </a:rPr>
+              <a:t>Ứng dụng chia cụm trong tìm kiếm</a:t>
+            </a:r>
+          </a:p>
+          <a:p>
+            <a:pPr algn="just" eaLnBrk="1" hangingPunct="1">
+              <a:defRPr/>
+            </a:pPr>
+            <a:r>
+              <a:rPr lang="vi-VN" sz="2800" dirty="0" smtClean="0">
+                <a:solidFill>
+                  <a:schemeClr val="bg1">
+                    <a:lumMod val="65000"/>
+                  </a:schemeClr>
+                </a:solidFill>
+              </a:rPr>
+              <a:t>Giải thuật K-means</a:t>
+            </a:r>
+          </a:p>
+        </p:txBody>
+      </p:sp>
+      <p:sp>
+        <p:nvSpPr>
+          <p:cNvPr id="2" name="Slide Number Placeholder 1"/>
+          <p:cNvSpPr>
+            <a:spLocks noGrp="1"/>
+          </p:cNvSpPr>
+          <p:nvPr>
+            <p:ph type="sldNum" sz="quarter" idx="12"/>
+          </p:nvPr>
+        </p:nvSpPr>
+        <p:spPr/>
+        <p:txBody>
+          <a:bodyPr/>
+          <a:lstStyle/>
+          <a:p>
+            <a:pPr>
+              <a:defRPr/>
+            </a:pPr>
+            <a:fld id="{A81E07A1-38DA-436E-9EB2-1E501CB9FFA7}" type="slidenum">
+              <a:rPr lang="vi-VN" smtClean="0"/>
+              <a:pPr>
+                <a:defRPr/>
+              </a:pPr>
+              <a:t>2</a:t>
+            </a:fld>
+            <a:endParaRPr lang="vi-VN"/>
+          </a:p>
+        </p:txBody>
+      </p:sp>
+    </p:spTree>
+    <p:extLst>
+      <p:ext uri="{BB962C8B-B14F-4D97-AF65-F5344CB8AC3E}">
+        <p14:creationId xmlns:p14="http://schemas.microsoft.com/office/powerpoint/2010/main" val="1540941927"/>
+      </p:ext>
+    </p:extLst>
+  </p:cSld>
+  <p:clrMapOvr>
+    <a:masterClrMapping/>
+  </p:clrMapOvr>
+  <p:timing>
+    <p:tnLst>
+      <p:par>
+        <p:cTn id="1" dur="indefinite" restart="never" nodeType="tmRoot"/>
+      </p:par>
+    </p:tnLst>
+  </p:timing>
+</p:sld>
+</file>
+
+<file path=ppt/slides/slide20.xml><?xml version="1.0" encoding="utf-8"?>
+<p:sld xmlns:a="http://schemas.openxmlformats.org/drawingml/2006/main" xmlns:r="http://schemas.openxmlformats.org/officeDocument/2006/relationships" xmlns:p="http://schemas.openxmlformats.org/presentationml/2006/main">
+  <p:cSld>
+    <p:spTree>
+      <p:nvGrpSpPr>
+        <p:cNvPr id="1" name=""/>
+        <p:cNvGrpSpPr/>
+        <p:nvPr/>
+      </p:nvGrpSpPr>
+      <p:grpSpPr>
+        <a:xfrm>
+          <a:off x="0" y="0"/>
+          <a:ext cx="0" cy="0"/>
+          <a:chOff x="0" y="0"/>
+          <a:chExt cx="0" cy="0"/>
+        </a:xfrm>
+      </p:grpSpPr>
+      <p:pic>
+        <p:nvPicPr>
+          <p:cNvPr id="5" name="Picture 4" descr="1642.png"/>
+          <p:cNvPicPr>
+            <a:picLocks noChangeAspect="1"/>
+          </p:cNvPicPr>
+          <p:nvPr/>
+        </p:nvPicPr>
+        <p:blipFill>
+          <a:blip r:embed="rId3"/>
+          <a:stretch>
+            <a:fillRect/>
+          </a:stretch>
+        </p:blipFill>
+        <p:spPr>
+          <a:xfrm>
+            <a:off x="548640" y="2377440"/>
+            <a:ext cx="4598015" cy="3613776"/>
+          </a:xfrm>
+          <a:prstGeom prst="rect">
+            <a:avLst/>
+          </a:prstGeom>
+        </p:spPr>
+      </p:pic>
+      <p:sp>
+        <p:nvSpPr>
+          <p:cNvPr id="6" name="Rectangle 2"/>
+          <p:cNvSpPr>
+            <a:spLocks noGrp="1" noChangeArrowheads="1"/>
+          </p:cNvSpPr>
+          <p:nvPr>
+            <p:ph type="title"/>
+          </p:nvPr>
+        </p:nvSpPr>
+        <p:spPr>
+          <a:xfrm>
+            <a:off x="1150938" y="214313"/>
+            <a:ext cx="7793037" cy="1462087"/>
+          </a:xfrm>
+        </p:spPr>
+        <p:txBody>
+          <a:bodyPr/>
+          <a:lstStyle/>
+          <a:p>
+            <a:pPr eaLnBrk="1" hangingPunct="1"/>
+            <a:r>
+              <a:rPr lang="en-US" sz="3600" err="1" smtClean="0"/>
+              <a:t>Ví</a:t>
+            </a:r>
+            <a:r>
+              <a:rPr lang="en-US" sz="3600" smtClean="0"/>
+              <a:t> dụ (3), </a:t>
+            </a:r>
+            <a:br>
+              <a:rPr lang="en-US" sz="3600" smtClean="0"/>
+            </a:br>
+            <a:r>
+              <a:rPr lang="en-US" sz="3600" smtClean="0"/>
+              <a:t>gắn </a:t>
+            </a:r>
+            <a:r>
+              <a:rPr lang="en-US" sz="3600" err="1" smtClean="0"/>
+              <a:t>văn</a:t>
+            </a:r>
+            <a:r>
+              <a:rPr lang="en-US" sz="3600" smtClean="0"/>
+              <a:t> bản với trọng tâm gần nhất</a:t>
+            </a:r>
+            <a:endParaRPr lang="vi-VN" sz="3600" dirty="0" smtClean="0"/>
+          </a:p>
+        </p:txBody>
+      </p:sp>
+      <p:sp>
+        <p:nvSpPr>
+          <p:cNvPr id="2" name="Slide Number Placeholder 1"/>
+          <p:cNvSpPr>
+            <a:spLocks noGrp="1"/>
+          </p:cNvSpPr>
+          <p:nvPr>
+            <p:ph type="sldNum" sz="quarter" idx="12"/>
+          </p:nvPr>
+        </p:nvSpPr>
+        <p:spPr/>
+        <p:txBody>
+          <a:bodyPr/>
+          <a:lstStyle/>
+          <a:p>
+            <a:pPr>
+              <a:defRPr/>
+            </a:pPr>
+            <a:fld id="{5686553E-E7FE-4A97-BA93-B68733A0164C}" type="slidenum">
+              <a:rPr lang="vi-VN" smtClean="0"/>
+              <a:pPr>
+                <a:defRPr/>
+              </a:pPr>
+              <a:t>20</a:t>
+            </a:fld>
+            <a:endParaRPr lang="vi-VN"/>
+          </a:p>
+        </p:txBody>
+      </p:sp>
+    </p:spTree>
+    <p:extLst>
+      <p:ext uri="{BB962C8B-B14F-4D97-AF65-F5344CB8AC3E}">
+        <p14:creationId xmlns:p14="http://schemas.microsoft.com/office/powerpoint/2010/main" val="2349527929"/>
       </p:ext>
     </p:extLst>
   </p:cSld>
@@ -12403,7 +12361,7 @@
       </p:grpSpPr>
       <p:pic>
         <p:nvPicPr>
-          <p:cNvPr id="5" name="Picture 4" descr="1642.png"/>
+          <p:cNvPr id="4" name="Picture 3" descr="1643.png"/>
           <p:cNvPicPr>
             <a:picLocks noChangeAspect="1"/>
           </p:cNvPicPr>
@@ -12418,7 +12376,7 @@
         <p:spPr>
           <a:xfrm>
             <a:off x="548640" y="2377440"/>
-            <a:ext cx="4598015" cy="3613776"/>
+            <a:ext cx="4612706" cy="3613776"/>
           </a:xfrm>
           <a:prstGeom prst="rect">
             <a:avLst/>
@@ -12447,27 +12405,23 @@
           <a:p>
             <a:pPr eaLnBrk="1" hangingPunct="1"/>
             <a:r>
-              <a:rPr lang="en-US" sz="3600" err="1" smtClean="0"/>
-              <a:t>Ví</a:t>
-            </a:r>
-            <a:r>
-              <a:rPr lang="en-US" sz="3600" smtClean="0"/>
-              <a:t> dụ (3), </a:t>
+              <a:rPr lang="vi-VN" sz="3600" smtClean="0"/>
+              <a:t>Ví dụ (4), </a:t>
             </a:r>
             <a:br>
-              <a:rPr lang="en-US" sz="3600" smtClean="0"/>
+              <a:rPr lang="vi-VN" sz="3600" smtClean="0"/>
             </a:br>
             <a:r>
-              <a:rPr lang="en-US" sz="3600" smtClean="0"/>
-              <a:t>gắn </a:t>
-            </a:r>
-            <a:r>
-              <a:rPr lang="en-US" sz="3600" err="1" smtClean="0"/>
-              <a:t>văn</a:t>
-            </a:r>
-            <a:r>
-              <a:rPr lang="en-US" sz="3600" smtClean="0"/>
-              <a:t> bản với trọng tâm gần nhất</a:t>
+              <a:rPr lang="vi-VN" sz="3600" smtClean="0"/>
+              <a:t>kết </a:t>
+            </a:r>
+            <a:r>
+              <a:rPr lang="vi-VN" sz="3600" dirty="0" smtClean="0"/>
+              <a:t>quả </a:t>
+            </a:r>
+            <a:r>
+              <a:rPr lang="vi-VN" sz="3600" smtClean="0"/>
+              <a:t>chia cụm</a:t>
             </a:r>
             <a:endParaRPr lang="vi-VN" sz="3600" dirty="0" smtClean="0"/>
           </a:p>
@@ -12505,7 +12459,7 @@
     </p:spTree>
     <p:extLst>
       <p:ext uri="{BB962C8B-B14F-4D97-AF65-F5344CB8AC3E}">
-        <p14:creationId xmlns:p14="http://schemas.microsoft.com/office/powerpoint/2010/main" val="2349527929"/>
+        <p14:creationId xmlns:p14="http://schemas.microsoft.com/office/powerpoint/2010/main" val="2998369795"/>
       </p:ext>
     </p:extLst>
   </p:cSld>
@@ -12562,7 +12516,7 @@
       </p:grpSpPr>
       <p:pic>
         <p:nvPicPr>
-          <p:cNvPr id="4" name="Picture 3" descr="1643.png"/>
+          <p:cNvPr id="5" name="Picture 4" descr="1644.png"/>
           <p:cNvPicPr>
             <a:picLocks noChangeAspect="1"/>
           </p:cNvPicPr>
@@ -12577,7 +12531,7 @@
         <p:spPr>
           <a:xfrm>
             <a:off x="548640" y="2377440"/>
-            <a:ext cx="4612706" cy="3613776"/>
+            <a:ext cx="4642087" cy="3643156"/>
           </a:xfrm>
           <a:prstGeom prst="rect">
             <a:avLst/>
@@ -12606,23 +12560,47 @@
           <a:p>
             <a:pPr eaLnBrk="1" hangingPunct="1"/>
             <a:r>
-              <a:rPr lang="vi-VN" sz="3600" smtClean="0"/>
-              <a:t>Ví dụ (4), </a:t>
+              <a:rPr lang="en-US" sz="3600" err="1" smtClean="0"/>
+              <a:t>Ví</a:t>
+            </a:r>
+            <a:r>
+              <a:rPr lang="en-US" sz="3600" smtClean="0"/>
+              <a:t> dụ (5), </a:t>
             </a:r>
             <a:br>
-              <a:rPr lang="vi-VN" sz="3600" smtClean="0"/>
+              <a:rPr lang="en-US" sz="3600" smtClean="0"/>
             </a:br>
             <a:r>
-              <a:rPr lang="vi-VN" sz="3600" smtClean="0"/>
-              <a:t>kết </a:t>
-            </a:r>
-            <a:r>
-              <a:rPr lang="vi-VN" sz="3600" dirty="0" smtClean="0"/>
-              <a:t>quả </a:t>
-            </a:r>
-            <a:r>
-              <a:rPr lang="vi-VN" sz="3600" smtClean="0"/>
-              <a:t>chia cụm</a:t>
+              <a:rPr lang="en-US" sz="3600" smtClean="0"/>
+              <a:t>xác </a:t>
+            </a:r>
+            <a:r>
+              <a:rPr lang="en-US" sz="3600" dirty="0" err="1" smtClean="0"/>
+              <a:t>định</a:t>
+            </a:r>
+            <a:r>
+              <a:rPr lang="en-US" sz="3600" dirty="0" smtClean="0"/>
+              <a:t> </a:t>
+            </a:r>
+            <a:r>
+              <a:rPr lang="en-US" sz="3600" dirty="0" err="1" smtClean="0"/>
+              <a:t>lại</a:t>
+            </a:r>
+            <a:r>
+              <a:rPr lang="en-US" sz="3600" dirty="0" smtClean="0"/>
+              <a:t> </a:t>
+            </a:r>
+            <a:r>
+              <a:rPr lang="en-US" sz="3600" dirty="0" err="1" smtClean="0"/>
+              <a:t>trọng</a:t>
+            </a:r>
+            <a:r>
+              <a:rPr lang="en-US" sz="3600" dirty="0" smtClean="0"/>
+              <a:t> </a:t>
+            </a:r>
+            <a:r>
+              <a:rPr lang="en-US" sz="3600" dirty="0" err="1" smtClean="0"/>
+              <a:t>tâm</a:t>
             </a:r>
             <a:endParaRPr lang="vi-VN" sz="3600" dirty="0" smtClean="0"/>
           </a:p>
@@ -12660,7 +12638,7 @@
     </p:spTree>
     <p:extLst>
       <p:ext uri="{BB962C8B-B14F-4D97-AF65-F5344CB8AC3E}">
-        <p14:creationId xmlns:p14="http://schemas.microsoft.com/office/powerpoint/2010/main" val="2998369795"/>
+        <p14:creationId xmlns:p14="http://schemas.microsoft.com/office/powerpoint/2010/main" val="2457331861"/>
       </p:ext>
     </p:extLst>
   </p:cSld>
@@ -12717,7 +12695,7 @@
       </p:grpSpPr>
       <p:pic>
         <p:nvPicPr>
-          <p:cNvPr id="5" name="Picture 4" descr="1644.png"/>
+          <p:cNvPr id="4" name="Picture 3" descr="1645.png"/>
           <p:cNvPicPr>
             <a:picLocks noChangeAspect="1"/>
           </p:cNvPicPr>
@@ -12732,7 +12710,7 @@
         <p:spPr>
           <a:xfrm>
             <a:off x="548640" y="2377440"/>
-            <a:ext cx="4642087" cy="3643156"/>
+            <a:ext cx="4465805" cy="3540326"/>
           </a:xfrm>
           <a:prstGeom prst="rect">
             <a:avLst/>
@@ -12766,42 +12744,14 @@
             </a:r>
             <a:r>
               <a:rPr lang="en-US" sz="3600" smtClean="0"/>
-              <a:t> dụ (5), </a:t>
+              <a:t> dụ (6), </a:t>
             </a:r>
             <a:br>
               <a:rPr lang="en-US" sz="3600" smtClean="0"/>
             </a:br>
             <a:r>
               <a:rPr lang="en-US" sz="3600" smtClean="0"/>
-              <a:t>xác </a:t>
-            </a:r>
-            <a:r>
-              <a:rPr lang="en-US" sz="3600" dirty="0" err="1" smtClean="0"/>
-              <a:t>định</a:t>
-            </a:r>
-            <a:r>
-              <a:rPr lang="en-US" sz="3600" dirty="0" smtClean="0"/>
-              <a:t> </a:t>
-            </a:r>
-            <a:r>
-              <a:rPr lang="en-US" sz="3600" dirty="0" err="1" smtClean="0"/>
-              <a:t>lại</a:t>
-            </a:r>
-            <a:r>
-              <a:rPr lang="en-US" sz="3600" dirty="0" smtClean="0"/>
-              <a:t> </a:t>
-            </a:r>
-            <a:r>
-              <a:rPr lang="en-US" sz="3600" dirty="0" err="1" smtClean="0"/>
-              <a:t>trọng</a:t>
-            </a:r>
-            <a:r>
-              <a:rPr lang="en-US" sz="3600" dirty="0" smtClean="0"/>
-              <a:t> </a:t>
-            </a:r>
-            <a:r>
-              <a:rPr lang="en-US" sz="3600" dirty="0" err="1" smtClean="0"/>
-              <a:t>tâm</a:t>
+              <a:t>chia lại cụm</a:t>
             </a:r>
             <a:endParaRPr lang="vi-VN" sz="3600" dirty="0" smtClean="0"/>
           </a:p>
@@ -12839,7 +12789,7 @@
     </p:spTree>
     <p:extLst>
       <p:ext uri="{BB962C8B-B14F-4D97-AF65-F5344CB8AC3E}">
-        <p14:creationId xmlns:p14="http://schemas.microsoft.com/office/powerpoint/2010/main" val="2457331861"/>
+        <p14:creationId xmlns:p14="http://schemas.microsoft.com/office/powerpoint/2010/main" val="3298836896"/>
       </p:ext>
     </p:extLst>
   </p:cSld>
@@ -12896,7 +12846,7 @@
       </p:grpSpPr>
       <p:pic>
         <p:nvPicPr>
-          <p:cNvPr id="4" name="Picture 3" descr="1645.png"/>
+          <p:cNvPr id="5" name="Picture 4" descr="1646.png"/>
           <p:cNvPicPr>
             <a:picLocks noChangeAspect="1"/>
           </p:cNvPicPr>
@@ -12911,7 +12861,7 @@
         <p:spPr>
           <a:xfrm>
             <a:off x="548640" y="2377440"/>
-            <a:ext cx="4465805" cy="3540326"/>
+            <a:ext cx="4774297" cy="3878199"/>
           </a:xfrm>
           <a:prstGeom prst="rect">
             <a:avLst/>
@@ -12945,14 +12895,14 @@
             </a:r>
             <a:r>
               <a:rPr lang="en-US" sz="3600" smtClean="0"/>
-              <a:t> dụ (6), </a:t>
+              <a:t> dụ (7),</a:t>
             </a:r>
             <a:br>
               <a:rPr lang="en-US" sz="3600" smtClean="0"/>
             </a:br>
             <a:r>
               <a:rPr lang="en-US" sz="3600" smtClean="0"/>
-              <a:t>chia lại cụm</a:t>
+              <a:t>kết quả chia cụm mới</a:t>
             </a:r>
             <a:endParaRPr lang="vi-VN" sz="3600" dirty="0" smtClean="0"/>
           </a:p>
@@ -12990,7 +12940,7 @@
     </p:spTree>
     <p:extLst>
       <p:ext uri="{BB962C8B-B14F-4D97-AF65-F5344CB8AC3E}">
-        <p14:creationId xmlns:p14="http://schemas.microsoft.com/office/powerpoint/2010/main" val="3298836896"/>
+        <p14:creationId xmlns:p14="http://schemas.microsoft.com/office/powerpoint/2010/main" val="3386867635"/>
       </p:ext>
     </p:extLst>
   </p:cSld>
@@ -13047,7 +12997,7 @@
       </p:grpSpPr>
       <p:pic>
         <p:nvPicPr>
-          <p:cNvPr id="5" name="Picture 4" descr="1646.png"/>
+          <p:cNvPr id="4" name="Picture 3" descr="1647.png"/>
           <p:cNvPicPr>
             <a:picLocks noChangeAspect="1"/>
           </p:cNvPicPr>
@@ -13062,7 +13012,7 @@
         <p:spPr>
           <a:xfrm>
             <a:off x="548640" y="2377440"/>
-            <a:ext cx="4774297" cy="3878199"/>
+            <a:ext cx="4686156" cy="3834127"/>
           </a:xfrm>
           <a:prstGeom prst="rect">
             <a:avLst/>
@@ -13091,19 +13041,27 @@
           <a:p>
             <a:pPr eaLnBrk="1" hangingPunct="1"/>
             <a:r>
+              <a:rPr lang="en-US" sz="3600" dirty="0" err="1" smtClean="0"/>
+              <a:t>Ví</a:t>
+            </a:r>
+            <a:r>
+              <a:rPr lang="en-US" sz="3600" dirty="0" smtClean="0"/>
+              <a:t> </a:t>
+            </a:r>
+            <a:r>
               <a:rPr lang="en-US" sz="3600" err="1" smtClean="0"/>
-              <a:t>Ví</a:t>
+              <a:t>dụ</a:t>
             </a:r>
             <a:r>
               <a:rPr lang="en-US" sz="3600" smtClean="0"/>
-              <a:t> dụ (7),</a:t>
+              <a:t> (8),</a:t>
             </a:r>
             <a:br>
               <a:rPr lang="en-US" sz="3600" smtClean="0"/>
             </a:br>
             <a:r>
               <a:rPr lang="en-US" sz="3600" smtClean="0"/>
-              <a:t>kết quả chia cụm mới</a:t>
+              <a:t>xác định lại trọng tâm</a:t>
             </a:r>
             <a:endParaRPr lang="vi-VN" sz="3600" dirty="0" smtClean="0"/>
           </a:p>
@@ -13141,7 +13099,7 @@
     </p:spTree>
     <p:extLst>
       <p:ext uri="{BB962C8B-B14F-4D97-AF65-F5344CB8AC3E}">
-        <p14:creationId xmlns:p14="http://schemas.microsoft.com/office/powerpoint/2010/main" val="3386867635"/>
+        <p14:creationId xmlns:p14="http://schemas.microsoft.com/office/powerpoint/2010/main" val="2667344914"/>
       </p:ext>
     </p:extLst>
   </p:cSld>
@@ -13198,7 +13156,7 @@
       </p:grpSpPr>
       <p:pic>
         <p:nvPicPr>
-          <p:cNvPr id="4" name="Picture 3" descr="1647.png"/>
+          <p:cNvPr id="5" name="Picture 4" descr="1648.png"/>
           <p:cNvPicPr>
             <a:picLocks noChangeAspect="1"/>
           </p:cNvPicPr>
@@ -13213,7 +13171,7 @@
         <p:spPr>
           <a:xfrm>
             <a:off x="548640" y="2377440"/>
-            <a:ext cx="4686156" cy="3834127"/>
+            <a:ext cx="4700847" cy="3643156"/>
           </a:xfrm>
           <a:prstGeom prst="rect">
             <a:avLst/>
@@ -13242,27 +13200,19 @@
           <a:p>
             <a:pPr eaLnBrk="1" hangingPunct="1"/>
             <a:r>
-              <a:rPr lang="en-US" sz="3600" dirty="0" err="1" smtClean="0"/>
+              <a:rPr lang="en-US" sz="3600" err="1" smtClean="0"/>
               <a:t>Ví</a:t>
             </a:r>
             <a:r>
-              <a:rPr lang="en-US" sz="3600" dirty="0" smtClean="0"/>
-              <a:t> </a:t>
-            </a:r>
-            <a:r>
-              <a:rPr lang="en-US" sz="3600" err="1" smtClean="0"/>
-              <a:t>dụ</a:t>
-            </a:r>
-            <a:r>
               <a:rPr lang="en-US" sz="3600" smtClean="0"/>
-              <a:t> (8),</a:t>
+              <a:t> dụ (9),</a:t>
             </a:r>
             <a:br>
               <a:rPr lang="en-US" sz="3600" smtClean="0"/>
             </a:br>
             <a:r>
               <a:rPr lang="en-US" sz="3600" smtClean="0"/>
-              <a:t>xác định lại trọng tâm</a:t>
+              <a:t>chia lại cụm</a:t>
             </a:r>
             <a:endParaRPr lang="vi-VN" sz="3600" dirty="0" smtClean="0"/>
           </a:p>
@@ -13300,7 +13250,7 @@
     </p:spTree>
     <p:extLst>
       <p:ext uri="{BB962C8B-B14F-4D97-AF65-F5344CB8AC3E}">
-        <p14:creationId xmlns:p14="http://schemas.microsoft.com/office/powerpoint/2010/main" val="2667344914"/>
+        <p14:creationId xmlns:p14="http://schemas.microsoft.com/office/powerpoint/2010/main" val="1468476092"/>
       </p:ext>
     </p:extLst>
   </p:cSld>
@@ -13357,7 +13307,7 @@
       </p:grpSpPr>
       <p:pic>
         <p:nvPicPr>
-          <p:cNvPr id="5" name="Picture 4" descr="1648.png"/>
+          <p:cNvPr id="5" name="Picture 4" descr="1649.png"/>
           <p:cNvPicPr>
             <a:picLocks noChangeAspect="1"/>
           </p:cNvPicPr>
@@ -13371,8 +13321,8 @@
         </p:blipFill>
         <p:spPr>
           <a:xfrm>
-            <a:off x="548640" y="2377440"/>
-            <a:ext cx="4700847" cy="3643156"/>
+            <a:off x="548639" y="2377439"/>
+            <a:ext cx="4803677" cy="3760677"/>
           </a:xfrm>
           <a:prstGeom prst="rect">
             <a:avLst/>
@@ -13401,19 +13351,27 @@
           <a:p>
             <a:pPr eaLnBrk="1" hangingPunct="1"/>
             <a:r>
+              <a:rPr lang="en-US" sz="3600" dirty="0" err="1" smtClean="0"/>
+              <a:t>Ví</a:t>
+            </a:r>
+            <a:r>
+              <a:rPr lang="en-US" sz="3600" dirty="0" smtClean="0"/>
+              <a:t> </a:t>
+            </a:r>
+            <a:r>
               <a:rPr lang="en-US" sz="3600" err="1" smtClean="0"/>
-              <a:t>Ví</a:t>
+              <a:t>dụ</a:t>
             </a:r>
             <a:r>
               <a:rPr lang="en-US" sz="3600" smtClean="0"/>
-              <a:t> dụ (9),</a:t>
+              <a:t> (10),</a:t>
             </a:r>
             <a:br>
               <a:rPr lang="en-US" sz="3600" smtClean="0"/>
             </a:br>
             <a:r>
-              <a:rPr lang="en-US" sz="3600" smtClean="0"/>
-              <a:t>chia lại cụm</a:t>
+              <a:rPr lang="en-US" sz="3600"/>
+              <a:t>kết quả chia cụm mới</a:t>
             </a:r>
             <a:endParaRPr lang="vi-VN" sz="3600" dirty="0" smtClean="0"/>
           </a:p>
@@ -13451,7 +13409,7 @@
     </p:spTree>
     <p:extLst>
       <p:ext uri="{BB962C8B-B14F-4D97-AF65-F5344CB8AC3E}">
-        <p14:creationId xmlns:p14="http://schemas.microsoft.com/office/powerpoint/2010/main" val="1468476092"/>
+        <p14:creationId xmlns:p14="http://schemas.microsoft.com/office/powerpoint/2010/main" val="3403293610"/>
       </p:ext>
     </p:extLst>
   </p:cSld>
@@ -13508,7 +13466,7 @@
       </p:grpSpPr>
       <p:pic>
         <p:nvPicPr>
-          <p:cNvPr id="5" name="Picture 4" descr="1649.png"/>
+          <p:cNvPr id="4" name="Picture 3" descr="1650.png"/>
           <p:cNvPicPr>
             <a:picLocks noChangeAspect="1"/>
           </p:cNvPicPr>
@@ -13522,8 +13480,8 @@
         </p:blipFill>
         <p:spPr>
           <a:xfrm>
-            <a:off x="548639" y="2377439"/>
-            <a:ext cx="4803677" cy="3760677"/>
+            <a:off x="548640" y="2377440"/>
+            <a:ext cx="4730228" cy="3643156"/>
           </a:xfrm>
           <a:prstGeom prst="rect">
             <a:avLst/>
@@ -13565,14 +13523,18 @@
             </a:r>
             <a:r>
               <a:rPr lang="en-US" sz="3600" smtClean="0"/>
-              <a:t> (10),</a:t>
+              <a:t> </a:t>
+            </a:r>
+            <a:r>
+              <a:rPr lang="en-US" sz="3600"/>
+              <a:t>(11),</a:t>
             </a:r>
             <a:br>
-              <a:rPr lang="en-US" sz="3600" smtClean="0"/>
+              <a:rPr lang="en-US" sz="3600"/>
             </a:br>
             <a:r>
               <a:rPr lang="en-US" sz="3600"/>
-              <a:t>kết quả chia cụm mới</a:t>
+              <a:t>xác định lại trọng tâm</a:t>
             </a:r>
             <a:endParaRPr lang="vi-VN" sz="3600" dirty="0" smtClean="0"/>
           </a:p>
@@ -13610,7 +13572,7 @@
     </p:spTree>
     <p:extLst>
       <p:ext uri="{BB962C8B-B14F-4D97-AF65-F5344CB8AC3E}">
-        <p14:creationId xmlns:p14="http://schemas.microsoft.com/office/powerpoint/2010/main" val="3403293610"/>
+        <p14:creationId xmlns:p14="http://schemas.microsoft.com/office/powerpoint/2010/main" val="1847038289"/>
       </p:ext>
     </p:extLst>
   </p:cSld>
@@ -13667,7 +13629,7 @@
       </p:grpSpPr>
       <p:pic>
         <p:nvPicPr>
-          <p:cNvPr id="4" name="Picture 3" descr="1650.png"/>
+          <p:cNvPr id="4" name="Picture 3" descr="1651.png"/>
           <p:cNvPicPr>
             <a:picLocks noChangeAspect="1"/>
           </p:cNvPicPr>
@@ -13682,7 +13644,7 @@
         <p:spPr>
           <a:xfrm>
             <a:off x="548640" y="2377440"/>
-            <a:ext cx="4730228" cy="3643156"/>
+            <a:ext cx="4788988" cy="3790058"/>
           </a:xfrm>
           <a:prstGeom prst="rect">
             <a:avLst/>
@@ -13711,31 +13673,19 @@
           <a:p>
             <a:pPr eaLnBrk="1" hangingPunct="1"/>
             <a:r>
-              <a:rPr lang="en-US" sz="3600" dirty="0" err="1" smtClean="0"/>
+              <a:rPr lang="en-US" sz="3600" err="1" smtClean="0"/>
               <a:t>Ví</a:t>
             </a:r>
             <a:r>
-              <a:rPr lang="en-US" sz="3600" dirty="0" smtClean="0"/>
-              <a:t> </a:t>
-            </a:r>
-            <a:r>
-              <a:rPr lang="en-US" sz="3600" err="1" smtClean="0"/>
-              <a:t>dụ</a:t>
-            </a:r>
-            <a:r>
               <a:rPr lang="en-US" sz="3600" smtClean="0"/>
-              <a:t> </a:t>
-            </a:r>
-            <a:r>
-              <a:rPr lang="en-US" sz="3600"/>
-              <a:t>(11),</a:t>
+              <a:t> dụ (12),</a:t>
             </a:r>
             <a:br>
-              <a:rPr lang="en-US" sz="3600"/>
+              <a:rPr lang="en-US" sz="3600" smtClean="0"/>
             </a:br>
             <a:r>
-              <a:rPr lang="en-US" sz="3600"/>
-              <a:t>xác định lại trọng tâm</a:t>
+              <a:rPr lang="en-US" sz="3600" smtClean="0"/>
+              <a:t>chia lại cụm</a:t>
             </a:r>
             <a:endParaRPr lang="vi-VN" sz="3600" dirty="0" smtClean="0"/>
           </a:p>
@@ -13773,7 +13723,7 @@
     </p:spTree>
     <p:extLst>
       <p:ext uri="{BB962C8B-B14F-4D97-AF65-F5344CB8AC3E}">
-        <p14:creationId xmlns:p14="http://schemas.microsoft.com/office/powerpoint/2010/main" val="1847038289"/>
+        <p14:creationId xmlns:p14="http://schemas.microsoft.com/office/powerpoint/2010/main" val="1390021146"/>
       </p:ext>
     </p:extLst>
   </p:cSld>
@@ -14060,7 +14010,7 @@
       </p:grpSpPr>
       <p:pic>
         <p:nvPicPr>
-          <p:cNvPr id="4" name="Picture 3" descr="1651.png"/>
+          <p:cNvPr id="4" name="Picture 3" descr="1652.png"/>
           <p:cNvPicPr>
             <a:picLocks noChangeAspect="1"/>
           </p:cNvPicPr>
@@ -14075,7 +14025,7 @@
         <p:spPr>
           <a:xfrm>
             <a:off x="548640" y="2377440"/>
-            <a:ext cx="4788988" cy="3790058"/>
+            <a:ext cx="4759608" cy="3834127"/>
           </a:xfrm>
           <a:prstGeom prst="rect">
             <a:avLst/>
@@ -14104,19 +14054,27 @@
           <a:p>
             <a:pPr eaLnBrk="1" hangingPunct="1"/>
             <a:r>
+              <a:rPr lang="en-US" sz="3600" dirty="0" err="1" smtClean="0"/>
+              <a:t>Ví</a:t>
+            </a:r>
+            <a:r>
+              <a:rPr lang="en-US" sz="3600" dirty="0" smtClean="0"/>
+              <a:t> </a:t>
+            </a:r>
+            <a:r>
               <a:rPr lang="en-US" sz="3600" err="1" smtClean="0"/>
-              <a:t>Ví</a:t>
+              <a:t>dụ</a:t>
             </a:r>
             <a:r>
               <a:rPr lang="en-US" sz="3600" smtClean="0"/>
-              <a:t> dụ (12),</a:t>
+              <a:t> (13),</a:t>
             </a:r>
             <a:br>
               <a:rPr lang="en-US" sz="3600" smtClean="0"/>
             </a:br>
             <a:r>
-              <a:rPr lang="en-US" sz="3600" smtClean="0"/>
-              <a:t>chia lại cụm</a:t>
+              <a:rPr lang="en-US" sz="3600"/>
+              <a:t>kết quả chia cụm mới</a:t>
             </a:r>
             <a:endParaRPr lang="vi-VN" sz="3600" dirty="0" smtClean="0"/>
           </a:p>
@@ -14154,7 +14112,7 @@
     </p:spTree>
     <p:extLst>
       <p:ext uri="{BB962C8B-B14F-4D97-AF65-F5344CB8AC3E}">
-        <p14:creationId xmlns:p14="http://schemas.microsoft.com/office/powerpoint/2010/main" val="1390021146"/>
+        <p14:creationId xmlns:p14="http://schemas.microsoft.com/office/powerpoint/2010/main" val="1530780126"/>
       </p:ext>
     </p:extLst>
   </p:cSld>
@@ -14211,7 +14169,7 @@
       </p:grpSpPr>
       <p:pic>
         <p:nvPicPr>
-          <p:cNvPr id="4" name="Picture 3" descr="1652.png"/>
+          <p:cNvPr id="5" name="Picture 4" descr="1653.png"/>
           <p:cNvPicPr>
             <a:picLocks noChangeAspect="1"/>
           </p:cNvPicPr>
@@ -14226,7 +14184,7 @@
         <p:spPr>
           <a:xfrm>
             <a:off x="548640" y="2377440"/>
-            <a:ext cx="4759608" cy="3834127"/>
+            <a:ext cx="4686156" cy="3804747"/>
           </a:xfrm>
           <a:prstGeom prst="rect">
             <a:avLst/>
@@ -14268,14 +14226,18 @@
             </a:r>
             <a:r>
               <a:rPr lang="en-US" sz="3600" smtClean="0"/>
-              <a:t> (13),</a:t>
+              <a:t> </a:t>
+            </a:r>
+            <a:r>
+              <a:rPr lang="en-US" sz="3600"/>
+              <a:t>(14),</a:t>
             </a:r>
             <a:br>
-              <a:rPr lang="en-US" sz="3600" smtClean="0"/>
+              <a:rPr lang="en-US" sz="3600"/>
             </a:br>
             <a:r>
               <a:rPr lang="en-US" sz="3600"/>
-              <a:t>kết quả chia cụm mới</a:t>
+              <a:t>xác định lại trọng tâm</a:t>
             </a:r>
             <a:endParaRPr lang="vi-VN" sz="3600" dirty="0" smtClean="0"/>
           </a:p>
@@ -14313,7 +14275,7 @@
     </p:spTree>
     <p:extLst>
       <p:ext uri="{BB962C8B-B14F-4D97-AF65-F5344CB8AC3E}">
-        <p14:creationId xmlns:p14="http://schemas.microsoft.com/office/powerpoint/2010/main" val="1530780126"/>
+        <p14:creationId xmlns:p14="http://schemas.microsoft.com/office/powerpoint/2010/main" val="2427945587"/>
       </p:ext>
     </p:extLst>
   </p:cSld>
@@ -14370,7 +14332,7 @@
       </p:grpSpPr>
       <p:pic>
         <p:nvPicPr>
-          <p:cNvPr id="5" name="Picture 4" descr="1653.png"/>
+          <p:cNvPr id="4" name="Picture 3" descr="1654.png"/>
           <p:cNvPicPr>
             <a:picLocks noChangeAspect="1"/>
           </p:cNvPicPr>
@@ -14384,8 +14346,8 @@
         </p:blipFill>
         <p:spPr>
           <a:xfrm>
-            <a:off x="548640" y="2377440"/>
-            <a:ext cx="4686156" cy="3804747"/>
+            <a:off x="548639" y="2377439"/>
+            <a:ext cx="4700847" cy="3760677"/>
           </a:xfrm>
           <a:prstGeom prst="rect">
             <a:avLst/>
@@ -14427,18 +14389,14 @@
             </a:r>
             <a:r>
               <a:rPr lang="en-US" sz="3600" smtClean="0"/>
-              <a:t> </a:t>
-            </a:r>
-            <a:r>
-              <a:rPr lang="en-US" sz="3600"/>
-              <a:t>(14),</a:t>
+              <a:t> (15),</a:t>
             </a:r>
             <a:br>
-              <a:rPr lang="en-US" sz="3600"/>
+              <a:rPr lang="en-US" sz="3600" smtClean="0"/>
             </a:br>
             <a:r>
-              <a:rPr lang="en-US" sz="3600"/>
-              <a:t>xác định lại trọng tâm</a:t>
+              <a:rPr lang="en-US" sz="3600" smtClean="0"/>
+              <a:t>chia lại cụm</a:t>
             </a:r>
             <a:endParaRPr lang="vi-VN" sz="3600" dirty="0" smtClean="0"/>
           </a:p>
@@ -14476,7 +14434,7 @@
     </p:spTree>
     <p:extLst>
       <p:ext uri="{BB962C8B-B14F-4D97-AF65-F5344CB8AC3E}">
-        <p14:creationId xmlns:p14="http://schemas.microsoft.com/office/powerpoint/2010/main" val="2427945587"/>
+        <p14:creationId xmlns:p14="http://schemas.microsoft.com/office/powerpoint/2010/main" val="1565098691"/>
       </p:ext>
     </p:extLst>
   </p:cSld>
@@ -14533,7 +14491,7 @@
       </p:grpSpPr>
       <p:pic>
         <p:nvPicPr>
-          <p:cNvPr id="4" name="Picture 3" descr="1654.png"/>
+          <p:cNvPr id="5" name="Picture 4" descr="1655.png"/>
           <p:cNvPicPr>
             <a:picLocks noChangeAspect="1"/>
           </p:cNvPicPr>
@@ -14547,8 +14505,8 @@
         </p:blipFill>
         <p:spPr>
           <a:xfrm>
-            <a:off x="548639" y="2377439"/>
-            <a:ext cx="4700847" cy="3760677"/>
+            <a:off x="548640" y="2377440"/>
+            <a:ext cx="4877129" cy="3834127"/>
           </a:xfrm>
           <a:prstGeom prst="rect">
             <a:avLst/>
@@ -14590,14 +14548,14 @@
             </a:r>
             <a:r>
               <a:rPr lang="en-US" sz="3600" smtClean="0"/>
-              <a:t> (15),</a:t>
+              <a:t> (16),</a:t>
             </a:r>
             <a:br>
               <a:rPr lang="en-US" sz="3600" smtClean="0"/>
             </a:br>
             <a:r>
-              <a:rPr lang="en-US" sz="3600" smtClean="0"/>
-              <a:t>chia lại cụm</a:t>
+              <a:rPr lang="en-US" sz="3600"/>
+              <a:t>k kết quả chia cụm mới</a:t>
             </a:r>
             <a:endParaRPr lang="vi-VN" sz="3600" dirty="0" smtClean="0"/>
           </a:p>
@@ -14635,7 +14593,7 @@
     </p:spTree>
     <p:extLst>
       <p:ext uri="{BB962C8B-B14F-4D97-AF65-F5344CB8AC3E}">
-        <p14:creationId xmlns:p14="http://schemas.microsoft.com/office/powerpoint/2010/main" val="1565098691"/>
+        <p14:creationId xmlns:p14="http://schemas.microsoft.com/office/powerpoint/2010/main" val="117438459"/>
       </p:ext>
     </p:extLst>
   </p:cSld>
@@ -14692,7 +14650,7 @@
       </p:grpSpPr>
       <p:pic>
         <p:nvPicPr>
-          <p:cNvPr id="5" name="Picture 4" descr="1655.png"/>
+          <p:cNvPr id="4" name="Picture 3" descr="1656.png"/>
           <p:cNvPicPr>
             <a:picLocks noChangeAspect="1"/>
           </p:cNvPicPr>
@@ -14707,7 +14665,7 @@
         <p:spPr>
           <a:xfrm>
             <a:off x="548640" y="2377440"/>
-            <a:ext cx="4877129" cy="3834127"/>
+            <a:ext cx="4803677" cy="3745986"/>
           </a:xfrm>
           <a:prstGeom prst="rect">
             <a:avLst/>
@@ -14749,14 +14707,18 @@
             </a:r>
             <a:r>
               <a:rPr lang="en-US" sz="3600" smtClean="0"/>
-              <a:t> (16),</a:t>
+              <a:t> </a:t>
+            </a:r>
+            <a:r>
+              <a:rPr lang="en-US" sz="3600"/>
+              <a:t>(17),</a:t>
             </a:r>
             <a:br>
-              <a:rPr lang="en-US" sz="3600" smtClean="0"/>
+              <a:rPr lang="en-US" sz="3600"/>
             </a:br>
             <a:r>
               <a:rPr lang="en-US" sz="3600"/>
-              <a:t>k kết quả chia cụm mới</a:t>
+              <a:t>xác định lại trọng tâm</a:t>
             </a:r>
             <a:endParaRPr lang="vi-VN" sz="3600" dirty="0" smtClean="0"/>
           </a:p>
@@ -14794,7 +14756,7 @@
     </p:spTree>
     <p:extLst>
       <p:ext uri="{BB962C8B-B14F-4D97-AF65-F5344CB8AC3E}">
-        <p14:creationId xmlns:p14="http://schemas.microsoft.com/office/powerpoint/2010/main" val="117438459"/>
+        <p14:creationId xmlns:p14="http://schemas.microsoft.com/office/powerpoint/2010/main" val="4145991956"/>
       </p:ext>
     </p:extLst>
   </p:cSld>
@@ -14851,7 +14813,7 @@
       </p:grpSpPr>
       <p:pic>
         <p:nvPicPr>
-          <p:cNvPr id="4" name="Picture 3" descr="1656.png"/>
+          <p:cNvPr id="5" name="Picture 4" descr="1657.png"/>
           <p:cNvPicPr>
             <a:picLocks noChangeAspect="1"/>
           </p:cNvPicPr>
@@ -14866,7 +14828,7 @@
         <p:spPr>
           <a:xfrm>
             <a:off x="548640" y="2377440"/>
-            <a:ext cx="4803677" cy="3745986"/>
+            <a:ext cx="4715536" cy="3613776"/>
           </a:xfrm>
           <a:prstGeom prst="rect">
             <a:avLst/>
@@ -14908,18 +14870,14 @@
             </a:r>
             <a:r>
               <a:rPr lang="en-US" sz="3600" smtClean="0"/>
-              <a:t> </a:t>
-            </a:r>
-            <a:r>
-              <a:rPr lang="en-US" sz="3600"/>
-              <a:t>(17),</a:t>
+              <a:t> (18),</a:t>
             </a:r>
             <a:br>
-              <a:rPr lang="en-US" sz="3600"/>
+              <a:rPr lang="en-US" sz="3600" smtClean="0"/>
             </a:br>
             <a:r>
-              <a:rPr lang="en-US" sz="3600"/>
-              <a:t>xác định lại trọng tâm</a:t>
+              <a:rPr lang="en-US" sz="3600" smtClean="0"/>
+              <a:t>chia lại cụm</a:t>
             </a:r>
             <a:endParaRPr lang="vi-VN" sz="3600" dirty="0" smtClean="0"/>
           </a:p>
@@ -14957,7 +14915,7 @@
     </p:spTree>
     <p:extLst>
       <p:ext uri="{BB962C8B-B14F-4D97-AF65-F5344CB8AC3E}">
-        <p14:creationId xmlns:p14="http://schemas.microsoft.com/office/powerpoint/2010/main" val="4145991956"/>
+        <p14:creationId xmlns:p14="http://schemas.microsoft.com/office/powerpoint/2010/main" val="201862370"/>
       </p:ext>
     </p:extLst>
   </p:cSld>
@@ -15014,7 +14972,7 @@
       </p:grpSpPr>
       <p:pic>
         <p:nvPicPr>
-          <p:cNvPr id="5" name="Picture 4" descr="1657.png"/>
+          <p:cNvPr id="4" name="Picture 3" descr="1658.png"/>
           <p:cNvPicPr>
             <a:picLocks noChangeAspect="1"/>
           </p:cNvPicPr>
@@ -15029,7 +14987,7 @@
         <p:spPr>
           <a:xfrm>
             <a:off x="548640" y="2377440"/>
-            <a:ext cx="4715536" cy="3613776"/>
+            <a:ext cx="4744916" cy="3760677"/>
           </a:xfrm>
           <a:prstGeom prst="rect">
             <a:avLst/>
@@ -15071,14 +15029,14 @@
             </a:r>
             <a:r>
               <a:rPr lang="en-US" sz="3600" smtClean="0"/>
-              <a:t> (18),</a:t>
+              <a:t> (19),</a:t>
             </a:r>
             <a:br>
               <a:rPr lang="en-US" sz="3600" smtClean="0"/>
             </a:br>
             <a:r>
-              <a:rPr lang="en-US" sz="3600" smtClean="0"/>
-              <a:t>chia lại cụm</a:t>
+              <a:rPr lang="en-US" sz="3600"/>
+              <a:t>kết quả chia cụm mới</a:t>
             </a:r>
             <a:endParaRPr lang="vi-VN" sz="3600" dirty="0" smtClean="0"/>
           </a:p>
@@ -15116,7 +15074,7 @@
     </p:spTree>
     <p:extLst>
       <p:ext uri="{BB962C8B-B14F-4D97-AF65-F5344CB8AC3E}">
-        <p14:creationId xmlns:p14="http://schemas.microsoft.com/office/powerpoint/2010/main" val="201862370"/>
+        <p14:creationId xmlns:p14="http://schemas.microsoft.com/office/powerpoint/2010/main" val="2715272757"/>
       </p:ext>
     </p:extLst>
   </p:cSld>
@@ -15173,7 +15131,7 @@
       </p:grpSpPr>
       <p:pic>
         <p:nvPicPr>
-          <p:cNvPr id="4" name="Picture 3" descr="1658.png"/>
+          <p:cNvPr id="5" name="Picture 4" descr="1659.png"/>
           <p:cNvPicPr>
             <a:picLocks noChangeAspect="1"/>
           </p:cNvPicPr>
@@ -15188,7 +15146,7 @@
         <p:spPr>
           <a:xfrm>
             <a:off x="548640" y="2377440"/>
-            <a:ext cx="4744916" cy="3760677"/>
+            <a:ext cx="4818368" cy="3687225"/>
           </a:xfrm>
           <a:prstGeom prst="rect">
             <a:avLst/>
@@ -15230,14 +15188,18 @@
             </a:r>
             <a:r>
               <a:rPr lang="en-US" sz="3600" smtClean="0"/>
-              <a:t> (19),</a:t>
+              <a:t> </a:t>
+            </a:r>
+            <a:r>
+              <a:rPr lang="en-US" sz="3600"/>
+              <a:t>(20),</a:t>
             </a:r>
             <a:br>
-              <a:rPr lang="en-US" sz="3600" smtClean="0"/>
+              <a:rPr lang="en-US" sz="3600"/>
             </a:br>
             <a:r>
               <a:rPr lang="en-US" sz="3600"/>
-              <a:t>kết quả chia cụm mới</a:t>
+              <a:t>xác định lại trọng tâm</a:t>
             </a:r>
             <a:endParaRPr lang="vi-VN" sz="3600" dirty="0" smtClean="0"/>
           </a:p>
@@ -15275,7 +15237,7 @@
     </p:spTree>
     <p:extLst>
       <p:ext uri="{BB962C8B-B14F-4D97-AF65-F5344CB8AC3E}">
-        <p14:creationId xmlns:p14="http://schemas.microsoft.com/office/powerpoint/2010/main" val="2715272757"/>
+        <p14:creationId xmlns:p14="http://schemas.microsoft.com/office/powerpoint/2010/main" val="300935332"/>
       </p:ext>
     </p:extLst>
   </p:cSld>
@@ -15332,7 +15294,7 @@
       </p:grpSpPr>
       <p:pic>
         <p:nvPicPr>
-          <p:cNvPr id="5" name="Picture 4" descr="1659.png"/>
+          <p:cNvPr id="4" name="Picture 3" descr="1660.png"/>
           <p:cNvPicPr>
             <a:picLocks noChangeAspect="1"/>
           </p:cNvPicPr>
@@ -15346,8 +15308,8 @@
         </p:blipFill>
         <p:spPr>
           <a:xfrm>
-            <a:off x="548640" y="2377440"/>
-            <a:ext cx="4818368" cy="3687225"/>
+            <a:off x="548636" y="2377438"/>
+            <a:ext cx="4627395" cy="3716606"/>
           </a:xfrm>
           <a:prstGeom prst="rect">
             <a:avLst/>
@@ -15389,18 +15351,14 @@
             </a:r>
             <a:r>
               <a:rPr lang="en-US" sz="3600" smtClean="0"/>
-              <a:t> </a:t>
-            </a:r>
-            <a:r>
-              <a:rPr lang="en-US" sz="3600"/>
-              <a:t>(20),</a:t>
+              <a:t> (21),</a:t>
             </a:r>
             <a:br>
-              <a:rPr lang="en-US" sz="3600"/>
+              <a:rPr lang="en-US" sz="3600" smtClean="0"/>
             </a:br>
             <a:r>
-              <a:rPr lang="en-US" sz="3600"/>
-              <a:t>xác định lại trọng tâm</a:t>
+              <a:rPr lang="en-US" sz="3600" smtClean="0"/>
+              <a:t>chia lại cụm</a:t>
             </a:r>
             <a:endParaRPr lang="vi-VN" sz="3600" dirty="0" smtClean="0"/>
           </a:p>
@@ -15438,7 +15396,7 @@
     </p:spTree>
     <p:extLst>
       <p:ext uri="{BB962C8B-B14F-4D97-AF65-F5344CB8AC3E}">
-        <p14:creationId xmlns:p14="http://schemas.microsoft.com/office/powerpoint/2010/main" val="300935332"/>
+        <p14:creationId xmlns:p14="http://schemas.microsoft.com/office/powerpoint/2010/main" val="3515215342"/>
       </p:ext>
     </p:extLst>
   </p:cSld>
@@ -15495,7 +15453,7 @@
       </p:grpSpPr>
       <p:pic>
         <p:nvPicPr>
-          <p:cNvPr id="4" name="Picture 3" descr="1660.png"/>
+          <p:cNvPr id="4" name="Picture 3" descr="1661.png"/>
           <p:cNvPicPr>
             <a:picLocks noChangeAspect="1"/>
           </p:cNvPicPr>
@@ -15509,8 +15467,8 @@
         </p:blipFill>
         <p:spPr>
           <a:xfrm>
-            <a:off x="548636" y="2377438"/>
-            <a:ext cx="4627395" cy="3716606"/>
+            <a:off x="548640" y="2377440"/>
+            <a:ext cx="4833057" cy="3878199"/>
           </a:xfrm>
           <a:prstGeom prst="rect">
             <a:avLst/>
@@ -15552,14 +15510,14 @@
             </a:r>
             <a:r>
               <a:rPr lang="en-US" sz="3600" smtClean="0"/>
-              <a:t> (21),</a:t>
+              <a:t> (22),</a:t>
             </a:r>
             <a:br>
               <a:rPr lang="en-US" sz="3600" smtClean="0"/>
             </a:br>
             <a:r>
-              <a:rPr lang="en-US" sz="3600" smtClean="0"/>
-              <a:t>chia lại cụm</a:t>
+              <a:rPr lang="en-US" sz="3600"/>
+              <a:t>kết quả chia cụm mới</a:t>
             </a:r>
             <a:endParaRPr lang="vi-VN" sz="3600" dirty="0" smtClean="0"/>
           </a:p>
@@ -15597,7 +15555,7 @@
     </p:spTree>
     <p:extLst>
       <p:ext uri="{BB962C8B-B14F-4D97-AF65-F5344CB8AC3E}">
-        <p14:creationId xmlns:p14="http://schemas.microsoft.com/office/powerpoint/2010/main" val="3515215342"/>
+        <p14:creationId xmlns:p14="http://schemas.microsoft.com/office/powerpoint/2010/main" val="3473960628"/>
       </p:ext>
     </p:extLst>
   </p:cSld>
@@ -15810,7 +15768,7 @@
       </p:grpSpPr>
       <p:pic>
         <p:nvPicPr>
-          <p:cNvPr id="4" name="Picture 3" descr="1661.png"/>
+          <p:cNvPr id="5" name="Picture 4" descr="1662.png"/>
           <p:cNvPicPr>
             <a:picLocks noChangeAspect="1"/>
           </p:cNvPicPr>
@@ -15825,7 +15783,7 @@
         <p:spPr>
           <a:xfrm>
             <a:off x="548640" y="2377440"/>
-            <a:ext cx="4833057" cy="3878199"/>
+            <a:ext cx="4833057" cy="3790058"/>
           </a:xfrm>
           <a:prstGeom prst="rect">
             <a:avLst/>
@@ -15867,14 +15825,18 @@
             </a:r>
             <a:r>
               <a:rPr lang="en-US" sz="3600" smtClean="0"/>
-              <a:t> (22),</a:t>
+              <a:t> </a:t>
+            </a:r>
+            <a:r>
+              <a:rPr lang="en-US" sz="3600"/>
+              <a:t>(23),</a:t>
             </a:r>
             <a:br>
-              <a:rPr lang="en-US" sz="3600" smtClean="0"/>
+              <a:rPr lang="en-US" sz="3600"/>
             </a:br>
             <a:r>
               <a:rPr lang="en-US" sz="3600"/>
-              <a:t>kết quả chia cụm mới</a:t>
+              <a:t>xác định lại trọng tâm</a:t>
             </a:r>
             <a:endParaRPr lang="vi-VN" sz="3600" dirty="0" smtClean="0"/>
           </a:p>
@@ -15912,7 +15874,7 @@
     </p:spTree>
     <p:extLst>
       <p:ext uri="{BB962C8B-B14F-4D97-AF65-F5344CB8AC3E}">
-        <p14:creationId xmlns:p14="http://schemas.microsoft.com/office/powerpoint/2010/main" val="3473960628"/>
+        <p14:creationId xmlns:p14="http://schemas.microsoft.com/office/powerpoint/2010/main" val="2867044523"/>
       </p:ext>
     </p:extLst>
   </p:cSld>
@@ -15969,7 +15931,7 @@
       </p:grpSpPr>
       <p:pic>
         <p:nvPicPr>
-          <p:cNvPr id="5" name="Picture 4" descr="1662.png"/>
+          <p:cNvPr id="4" name="Picture 3" descr="1663.png"/>
           <p:cNvPicPr>
             <a:picLocks noChangeAspect="1"/>
           </p:cNvPicPr>
@@ -15983,8 +15945,8 @@
         </p:blipFill>
         <p:spPr>
           <a:xfrm>
-            <a:off x="548640" y="2377440"/>
-            <a:ext cx="4833057" cy="3790058"/>
+            <a:off x="548640" y="2377439"/>
+            <a:ext cx="4891818" cy="3907579"/>
           </a:xfrm>
           <a:prstGeom prst="rect">
             <a:avLst/>
@@ -16026,18 +15988,26 @@
             </a:r>
             <a:r>
               <a:rPr lang="en-US" sz="3600" smtClean="0"/>
+              <a:t> (24),</a:t>
+            </a:r>
+            <a:br>
+              <a:rPr lang="en-US" sz="3600" smtClean="0"/>
+            </a:br>
+            <a:r>
+              <a:rPr lang="en-US" sz="3600" smtClean="0"/>
+              <a:t>kết quả chia </a:t>
+            </a:r>
+            <a:r>
+              <a:rPr lang="en-US" sz="3600" err="1" smtClean="0"/>
+              <a:t>cụm</a:t>
+            </a:r>
+            <a:r>
+              <a:rPr lang="en-US" sz="3600"/>
               <a:t> </a:t>
             </a:r>
             <a:r>
-              <a:rPr lang="en-US" sz="3600"/>
-              <a:t>(23),</a:t>
-            </a:r>
-            <a:br>
-              <a:rPr lang="en-US" sz="3600"/>
-            </a:br>
-            <a:r>
-              <a:rPr lang="en-US" sz="3600"/>
-              <a:t>xác định lại trọng tâm</a:t>
+              <a:rPr lang="en-US" sz="3600" smtClean="0"/>
+              <a:t>ổn định</a:t>
             </a:r>
             <a:endParaRPr lang="vi-VN" sz="3600" dirty="0" smtClean="0"/>
           </a:p>
@@ -16075,7 +16045,7 @@
     </p:spTree>
     <p:extLst>
       <p:ext uri="{BB962C8B-B14F-4D97-AF65-F5344CB8AC3E}">
-        <p14:creationId xmlns:p14="http://schemas.microsoft.com/office/powerpoint/2010/main" val="2867044523"/>
+        <p14:creationId xmlns:p14="http://schemas.microsoft.com/office/powerpoint/2010/main" val="670434044"/>
       </p:ext>
     </p:extLst>
   </p:cSld>
@@ -16130,33 +16100,9 @@
           <a:chExt cx="0" cy="0"/>
         </a:xfrm>
       </p:grpSpPr>
-      <p:pic>
-        <p:nvPicPr>
-          <p:cNvPr id="4" name="Picture 3" descr="1663.png"/>
-          <p:cNvPicPr>
-            <a:picLocks noChangeAspect="1"/>
-          </p:cNvPicPr>
-          <p:nvPr/>
-        </p:nvPicPr>
-        <p:blipFill>
-          <a:blip r:embed="rId3"/>
-          <a:stretch>
-            <a:fillRect/>
-          </a:stretch>
-        </p:blipFill>
-        <p:spPr>
-          <a:xfrm>
-            <a:off x="548640" y="2377439"/>
-            <a:ext cx="4891818" cy="3907579"/>
-          </a:xfrm>
-          <a:prstGeom prst="rect">
-            <a:avLst/>
-          </a:prstGeom>
-        </p:spPr>
-      </p:pic>
-      <p:sp>
-        <p:nvSpPr>
-          <p:cNvPr id="6" name="Rectangle 2"/>
+      <p:sp>
+        <p:nvSpPr>
+          <p:cNvPr id="6146" name="Rectangle 2"/>
           <p:cNvSpPr>
             <a:spLocks noGrp="1" noChangeArrowheads="1"/>
           </p:cNvSpPr>
@@ -16164,53 +16110,49 @@
             <p:ph type="title"/>
           </p:nvPr>
         </p:nvSpPr>
-        <p:spPr>
-          <a:xfrm>
-            <a:off x="1150938" y="214313"/>
-            <a:ext cx="7793037" cy="1462087"/>
-          </a:xfrm>
-        </p:spPr>
+        <p:spPr/>
         <p:txBody>
           <a:bodyPr/>
           <a:lstStyle/>
           <a:p>
             <a:pPr eaLnBrk="1" hangingPunct="1"/>
             <a:r>
-              <a:rPr lang="en-US" sz="3600" dirty="0" err="1" smtClean="0"/>
-              <a:t>Ví</a:t>
-            </a:r>
-            <a:r>
-              <a:rPr lang="en-US" sz="3600" dirty="0" smtClean="0"/>
-              <a:t> </a:t>
-            </a:r>
-            <a:r>
-              <a:rPr lang="en-US" sz="3600" err="1" smtClean="0"/>
-              <a:t>dụ</a:t>
-            </a:r>
-            <a:r>
               <a:rPr lang="en-US" sz="3600" smtClean="0"/>
-              <a:t> (24),</a:t>
-            </a:r>
-            <a:br>
-              <a:rPr lang="en-US" sz="3600" smtClean="0"/>
-            </a:br>
-            <a:r>
-              <a:rPr lang="en-US" sz="3600" smtClean="0"/>
-              <a:t>kết quả chia </a:t>
-            </a:r>
-            <a:r>
-              <a:rPr lang="en-US" sz="3600" err="1" smtClean="0"/>
-              <a:t>cụm</a:t>
-            </a:r>
-            <a:r>
-              <a:rPr lang="en-US" sz="3600"/>
-              <a:t> </a:t>
-            </a:r>
-            <a:r>
-              <a:rPr lang="en-US" sz="3600" smtClean="0"/>
-              <a:t>ổn định</a:t>
+              <a:t>Bài tập 18.1</a:t>
             </a:r>
             <a:endParaRPr lang="vi-VN" sz="3600" dirty="0" smtClean="0"/>
+          </a:p>
+        </p:txBody>
+      </p:sp>
+      <p:sp>
+        <p:nvSpPr>
+          <p:cNvPr id="6147" name="Rectangle 3"/>
+          <p:cNvSpPr>
+            <a:spLocks noGrp="1" noChangeArrowheads="1"/>
+          </p:cNvSpPr>
+          <p:nvPr>
+            <p:ph type="body" idx="1"/>
+          </p:nvPr>
+        </p:nvSpPr>
+        <p:spPr>
+          <a:xfrm>
+            <a:off x="611560" y="1916832"/>
+            <a:ext cx="8343528" cy="3240359"/>
+          </a:xfrm>
+        </p:spPr>
+        <p:txBody>
+          <a:bodyPr/>
+          <a:lstStyle/>
+          <a:p>
+            <a:pPr marL="0" indent="0" algn="just" eaLnBrk="1" hangingPunct="1">
+              <a:buNone/>
+              <a:defRPr/>
+            </a:pPr>
+            <a:r>
+              <a:rPr lang="en-US" sz="2800" noProof="1" smtClean="0"/>
+              <a:t>Giả sử nếu hai văn bản bất kỳ có 2 từ chung thì tương đồng. Hãy thử lấy hai văn bản bất kỳ và một câu truy vấn cùng với nhu cầu thông tin để minh họa một tình huống sai của giả thuyết chia cụm.</a:t>
+            </a:r>
+            <a:endParaRPr lang="en-US" noProof="1" smtClean="0"/>
           </a:p>
         </p:txBody>
       </p:sp>
@@ -16232,7 +16174,7 @@
             <a:pPr>
               <a:defRPr/>
             </a:pPr>
-            <a:fld id="{5686553E-E7FE-4A97-BA93-B68733A0164C}" type="slidenum">
+            <a:fld id="{A81E07A1-38DA-436E-9EB2-1E501CB9FFA7}" type="slidenum">
               <a:rPr lang="vi-VN" smtClean="0"/>
               <a:pPr>
                 <a:defRPr/>
@@ -16246,38 +16188,17 @@
     </p:spTree>
     <p:extLst>
       <p:ext uri="{BB962C8B-B14F-4D97-AF65-F5344CB8AC3E}">
-        <p14:creationId xmlns:p14="http://schemas.microsoft.com/office/powerpoint/2010/main" val="670434044"/>
+        <p14:creationId xmlns:p14="http://schemas.microsoft.com/office/powerpoint/2010/main" val="3994956411"/>
       </p:ext>
     </p:extLst>
   </p:cSld>
   <p:clrMapOvr>
     <a:masterClrMapping/>
   </p:clrMapOvr>
-  <p:transition spd="med"/>
   <p:timing>
     <p:tnLst>
       <p:par>
-        <p:cTn id="1" dur="indefinite" restart="never" nodeType="tmRoot">
-          <p:childTnLst>
-            <p:seq concurrent="1" nextAc="seek">
-              <p:cTn id="2" dur="indefinite" nodeType="mainSeq"/>
-              <p:prevCondLst>
-                <p:cond evt="onPrev" delay="0">
-                  <p:tgtEl>
-                    <p:sldTgt/>
-                  </p:tgtEl>
-                </p:cond>
-              </p:prevCondLst>
-              <p:nextCondLst>
-                <p:cond evt="onNext" delay="0">
-                  <p:tgtEl>
-                    <p:sldTgt/>
-                  </p:tgtEl>
-                </p:cond>
-              </p:nextCondLst>
-            </p:seq>
-          </p:childTnLst>
-        </p:cTn>
+        <p:cTn id="1" dur="indefinite" restart="never" nodeType="tmRoot"/>
       </p:par>
     </p:tnLst>
   </p:timing>
@@ -16319,7 +16240,7 @@
             <a:pPr eaLnBrk="1" hangingPunct="1"/>
             <a:r>
               <a:rPr lang="en-US" sz="3600" smtClean="0"/>
-              <a:t>Bài tập 18.1</a:t>
+              <a:t>Bài tập 18.2</a:t>
             </a:r>
             <a:endParaRPr lang="vi-VN" sz="3600" dirty="0" smtClean="0"/>
           </a:p>
@@ -16337,22 +16258,33 @@
         </p:nvSpPr>
         <p:spPr>
           <a:xfrm>
-            <a:off x="611560" y="1916832"/>
-            <a:ext cx="8343528" cy="3240359"/>
+            <a:off x="611560" y="1988840"/>
+            <a:ext cx="8343528" cy="3816424"/>
           </a:xfrm>
         </p:spPr>
         <p:txBody>
           <a:bodyPr/>
           <a:lstStyle/>
           <a:p>
-            <a:pPr algn="just" eaLnBrk="1" hangingPunct="1">
+            <a:pPr marL="0" indent="0" algn="just" eaLnBrk="1" hangingPunct="1">
+              <a:buNone/>
               <a:defRPr/>
             </a:pPr>
             <a:r>
               <a:rPr lang="en-US" sz="2800" noProof="1" smtClean="0"/>
-              <a:t>Giả sử nếu hai văn bản bất kỳ có 2 từ chung thì tương đồng. Hãy thử lấy hai văn bản bất kỳ và một câu truy vấn cùng với nhu cầu thông tin để minh họa một tình huống sai của giả thuyết chia cụm.</a:t>
-            </a:r>
-            <a:endParaRPr lang="en-US" noProof="1" smtClean="0"/>
+              <a:t>Hãy lấy một ví dụ đơn giản trên không gian một chiều (điểm trên trục số) để minh họa cho trường hợp kém hiệu quả của phương pháp tìm kiếm trên cơ sở chia cụm.</a:t>
+            </a:r>
+          </a:p>
+          <a:p>
+            <a:pPr marL="0" indent="0" algn="just" eaLnBrk="1" hangingPunct="1">
+              <a:buNone/>
+              <a:defRPr/>
+            </a:pPr>
+            <a:r>
+              <a:rPr lang="en-US" sz="2800" noProof="1" smtClean="0"/>
+              <a:t>Trong ví dụ, kết quả tìm kiếm trong cụm gần với câu truy vấn phải kém hơn kết quả tìm kiếm những láng giềng gần nhất.</a:t>
+            </a:r>
+            <a:endParaRPr lang="en-US" sz="2800" noProof="1"/>
           </a:p>
         </p:txBody>
       </p:sp>
@@ -16380,138 +16312,6 @@
                 <a:defRPr/>
               </a:pPr>
               <a:t>43</a:t>
-            </a:fld>
-            <a:endParaRPr lang="vi-VN"/>
-          </a:p>
-        </p:txBody>
-      </p:sp>
-    </p:spTree>
-    <p:extLst>
-      <p:ext uri="{BB962C8B-B14F-4D97-AF65-F5344CB8AC3E}">
-        <p14:creationId xmlns:p14="http://schemas.microsoft.com/office/powerpoint/2010/main" val="3994956411"/>
-      </p:ext>
-    </p:extLst>
-  </p:cSld>
-  <p:clrMapOvr>
-    <a:masterClrMapping/>
-  </p:clrMapOvr>
-  <p:timing>
-    <p:tnLst>
-      <p:par>
-        <p:cTn id="1" dur="indefinite" restart="never" nodeType="tmRoot"/>
-      </p:par>
-    </p:tnLst>
-  </p:timing>
-</p:sld>
-</file>
-
-<file path=ppt/slides/slide44.xml><?xml version="1.0" encoding="utf-8"?>
-<p:sld xmlns:a="http://schemas.openxmlformats.org/drawingml/2006/main" xmlns:r="http://schemas.openxmlformats.org/officeDocument/2006/relationships" xmlns:p="http://schemas.openxmlformats.org/presentationml/2006/main">
-  <p:cSld>
-    <p:spTree>
-      <p:nvGrpSpPr>
-        <p:cNvPr id="1" name=""/>
-        <p:cNvGrpSpPr/>
-        <p:nvPr/>
-      </p:nvGrpSpPr>
-      <p:grpSpPr>
-        <a:xfrm>
-          <a:off x="0" y="0"/>
-          <a:ext cx="0" cy="0"/>
-          <a:chOff x="0" y="0"/>
-          <a:chExt cx="0" cy="0"/>
-        </a:xfrm>
-      </p:grpSpPr>
-      <p:sp>
-        <p:nvSpPr>
-          <p:cNvPr id="6146" name="Rectangle 2"/>
-          <p:cNvSpPr>
-            <a:spLocks noGrp="1" noChangeArrowheads="1"/>
-          </p:cNvSpPr>
-          <p:nvPr>
-            <p:ph type="title"/>
-          </p:nvPr>
-        </p:nvSpPr>
-        <p:spPr/>
-        <p:txBody>
-          <a:bodyPr/>
-          <a:lstStyle/>
-          <a:p>
-            <a:pPr eaLnBrk="1" hangingPunct="1"/>
-            <a:r>
-              <a:rPr lang="en-US" sz="3600" smtClean="0"/>
-              <a:t>Bài tập 18.2</a:t>
-            </a:r>
-            <a:endParaRPr lang="vi-VN" sz="3600" dirty="0" smtClean="0"/>
-          </a:p>
-        </p:txBody>
-      </p:sp>
-      <p:sp>
-        <p:nvSpPr>
-          <p:cNvPr id="6147" name="Rectangle 3"/>
-          <p:cNvSpPr>
-            <a:spLocks noGrp="1" noChangeArrowheads="1"/>
-          </p:cNvSpPr>
-          <p:nvPr>
-            <p:ph type="body" idx="1"/>
-          </p:nvPr>
-        </p:nvSpPr>
-        <p:spPr>
-          <a:xfrm>
-            <a:off x="611560" y="1916832"/>
-            <a:ext cx="8343528" cy="3888432"/>
-          </a:xfrm>
-        </p:spPr>
-        <p:txBody>
-          <a:bodyPr/>
-          <a:lstStyle/>
-          <a:p>
-            <a:pPr marL="0" indent="0" algn="just" eaLnBrk="1" hangingPunct="1">
-              <a:buNone/>
-              <a:defRPr/>
-            </a:pPr>
-            <a:r>
-              <a:rPr lang="en-US" noProof="1" smtClean="0"/>
-              <a:t>Hãy lấy một ví dụ đơn giản trên không gian một chiều (điểm trên trục số) để minh họa cho trường hợp kém hiệu quả của phương pháp tìm kiếm trên cơ sở chia cụm.</a:t>
-            </a:r>
-          </a:p>
-          <a:p>
-            <a:pPr marL="0" indent="0" algn="just" eaLnBrk="1" hangingPunct="1">
-              <a:buNone/>
-              <a:defRPr/>
-            </a:pPr>
-            <a:r>
-              <a:rPr lang="en-US" noProof="1" smtClean="0"/>
-              <a:t>Trong ví dụ, kết quả tìm kiếm trong cụm gần với câu truy vấn phải kém hơn kết quả tìm kiếm những láng giềng gần nhất.</a:t>
-            </a:r>
-            <a:endParaRPr lang="en-US" noProof="1"/>
-          </a:p>
-        </p:txBody>
-      </p:sp>
-      <p:sp>
-        <p:nvSpPr>
-          <p:cNvPr id="2" name="Slide Number Placeholder 1"/>
-          <p:cNvSpPr>
-            <a:spLocks noGrp="1"/>
-          </p:cNvSpPr>
-          <p:nvPr>
-            <p:ph type="sldNum" sz="quarter" idx="12"/>
-          </p:nvPr>
-        </p:nvSpPr>
-        <p:spPr/>
-        <p:txBody>
-          <a:bodyPr/>
-          <a:lstStyle/>
-          <a:p>
-            <a:pPr>
-              <a:defRPr/>
-            </a:pPr>
-            <a:fld id="{A81E07A1-38DA-436E-9EB2-1E501CB9FFA7}" type="slidenum">
-              <a:rPr lang="vi-VN" smtClean="0"/>
-              <a:pPr>
-                <a:defRPr/>
-              </a:pPr>
-              <a:t>44</a:t>
             </a:fld>
             <a:endParaRPr lang="vi-VN"/>
           </a:p>
@@ -16537,7 +16337,7 @@
 </p:sld>
 </file>
 
-<file path=ppt/slides/slide45.xml><?xml version="1.0" encoding="utf-8"?>
+<file path=ppt/slides/slide44.xml><?xml version="1.0" encoding="utf-8"?>
 <p:sld xmlns:a="http://schemas.openxmlformats.org/drawingml/2006/main" xmlns:r="http://schemas.openxmlformats.org/officeDocument/2006/relationships" xmlns:p="http://schemas.openxmlformats.org/presentationml/2006/main">
   <p:cSld>
     <p:spTree>
@@ -16651,7 +16451,7 @@
               <a:pPr>
                 <a:defRPr/>
               </a:pPr>
-              <a:t>45</a:t>
+              <a:t>44</a:t>
             </a:fld>
             <a:endParaRPr lang="vi-VN"/>
           </a:p>
@@ -18290,7 +18090,7 @@
   </a:extraClrSchemeLst>
   <a:extLst>
     <a:ext uri="{05A4C25C-085E-4340-85A3-A5531E510DB2}">
-      <thm15:themeFamily xmlns:thm15="http://schemas.microsoft.com/office/thememl/2012/main" xmlns="" name="Office Theme" id="{62F939B6-93AF-4DB8-9C6B-D6C7DFDC589F}" vid="{4A3C46E8-61CC-4603-A589-7422A47A8E4A}"/>
+      <thm15:themeFamily xmlns="" xmlns:thm15="http://schemas.microsoft.com/office/thememl/2012/main" name="Office Theme" id="{62F939B6-93AF-4DB8-9C6B-D6C7DFDC589F}" vid="{4A3C46E8-61CC-4603-A589-7422A47A8E4A}"/>
     </a:ext>
   </a:extLst>
 </a:theme>
@@ -18339,7 +18139,7 @@
     </a:clrScheme>
     <a:fontScheme name="Office">
       <a:majorFont>
-        <a:latin typeface="Calibri Light" panose="020F0302020204030204"/>
+        <a:latin typeface="Calibri Light"/>
         <a:ea typeface=""/>
         <a:cs typeface=""/>
         <a:font script="Jpan" typeface="ＭＳ Ｐゴシック"/>
@@ -18374,7 +18174,7 @@
         <a:font script="Geor" typeface="Sylfaen"/>
       </a:majorFont>
       <a:minorFont>
-        <a:latin typeface="Calibri" panose="020F0502020204030204"/>
+        <a:latin typeface="Calibri"/>
         <a:ea typeface=""/>
         <a:cs typeface=""/>
         <a:font script="Jpan" typeface="ＭＳ Ｐゴシック"/>
@@ -18551,7 +18351,7 @@
   <a:extraClrSchemeLst/>
   <a:extLst>
     <a:ext uri="{05A4C25C-085E-4340-85A3-A5531E510DB2}">
-      <thm15:themeFamily xmlns:thm15="http://schemas.microsoft.com/office/thememl/2012/main" xmlns="" name="Office Theme" id="{62F939B6-93AF-4DB8-9C6B-D6C7DFDC589F}" vid="{4A3C46E8-61CC-4603-A589-7422A47A8E4A}"/>
+      <thm15:themeFamily xmlns="" xmlns:thm15="http://schemas.microsoft.com/office/thememl/2012/main" name="Office Theme" id="{62F939B6-93AF-4DB8-9C6B-D6C7DFDC589F}" vid="{4A3C46E8-61CC-4603-A589-7422A47A8E4A}"/>
     </a:ext>
   </a:extLst>
 </a:theme>
